--- a/images/theory_analysis/Kubernetes_ClusterAPI_Architecture_OpenStack/Kubernetes_ClusterAPI_Architecture_OpenStack.pptx
+++ b/images/theory_analysis/Kubernetes_ClusterAPI_Architecture_OpenStack/Kubernetes_ClusterAPI_Architecture_OpenStack.pptx
@@ -215,7 +215,7 @@
           <a:p>
             <a:fld id="{6CD5550B-26C4-49A9-A5BA-636EF7BE6CE9}" type="datetimeFigureOut">
               <a:rPr lang="ko-KR" altLang="en-US" smtClean="0"/>
-              <a:t>2020-11-25</a:t>
+              <a:t>2020-11-26</a:t>
             </a:fld>
             <a:endParaRPr lang="ko-KR" altLang="en-US"/>
           </a:p>
@@ -829,7 +829,7 @@
           <a:p>
             <a:fld id="{FB30EDBD-1C2D-4C1E-B459-B60219FAB484}" type="datetimeFigureOut">
               <a:rPr lang="ko-KR" altLang="en-US" smtClean="0"/>
-              <a:t>2020-11-25</a:t>
+              <a:t>2020-11-26</a:t>
             </a:fld>
             <a:endParaRPr lang="ko-KR" altLang="en-US"/>
           </a:p>
@@ -992,7 +992,7 @@
           <a:p>
             <a:fld id="{FB30EDBD-1C2D-4C1E-B459-B60219FAB484}" type="datetimeFigureOut">
               <a:rPr lang="ko-KR" altLang="en-US" smtClean="0"/>
-              <a:t>2020-11-25</a:t>
+              <a:t>2020-11-26</a:t>
             </a:fld>
             <a:endParaRPr lang="ko-KR" altLang="en-US"/>
           </a:p>
@@ -1165,7 +1165,7 @@
           <a:p>
             <a:fld id="{FB30EDBD-1C2D-4C1E-B459-B60219FAB484}" type="datetimeFigureOut">
               <a:rPr lang="ko-KR" altLang="en-US" smtClean="0"/>
-              <a:t>2020-11-25</a:t>
+              <a:t>2020-11-26</a:t>
             </a:fld>
             <a:endParaRPr lang="ko-KR" altLang="en-US"/>
           </a:p>
@@ -1328,7 +1328,7 @@
           <a:p>
             <a:fld id="{FB30EDBD-1C2D-4C1E-B459-B60219FAB484}" type="datetimeFigureOut">
               <a:rPr lang="ko-KR" altLang="en-US" smtClean="0"/>
-              <a:t>2020-11-25</a:t>
+              <a:t>2020-11-26</a:t>
             </a:fld>
             <a:endParaRPr lang="ko-KR" altLang="en-US"/>
           </a:p>
@@ -1568,7 +1568,7 @@
           <a:p>
             <a:fld id="{FB30EDBD-1C2D-4C1E-B459-B60219FAB484}" type="datetimeFigureOut">
               <a:rPr lang="ko-KR" altLang="en-US" smtClean="0"/>
-              <a:t>2020-11-25</a:t>
+              <a:t>2020-11-26</a:t>
             </a:fld>
             <a:endParaRPr lang="ko-KR" altLang="en-US"/>
           </a:p>
@@ -1848,7 +1848,7 @@
           <a:p>
             <a:fld id="{FB30EDBD-1C2D-4C1E-B459-B60219FAB484}" type="datetimeFigureOut">
               <a:rPr lang="ko-KR" altLang="en-US" smtClean="0"/>
-              <a:t>2020-11-25</a:t>
+              <a:t>2020-11-26</a:t>
             </a:fld>
             <a:endParaRPr lang="ko-KR" altLang="en-US"/>
           </a:p>
@@ -2262,7 +2262,7 @@
           <a:p>
             <a:fld id="{FB30EDBD-1C2D-4C1E-B459-B60219FAB484}" type="datetimeFigureOut">
               <a:rPr lang="ko-KR" altLang="en-US" smtClean="0"/>
-              <a:t>2020-11-25</a:t>
+              <a:t>2020-11-26</a:t>
             </a:fld>
             <a:endParaRPr lang="ko-KR" altLang="en-US"/>
           </a:p>
@@ -2374,7 +2374,7 @@
           <a:p>
             <a:fld id="{FB30EDBD-1C2D-4C1E-B459-B60219FAB484}" type="datetimeFigureOut">
               <a:rPr lang="ko-KR" altLang="en-US" smtClean="0"/>
-              <a:t>2020-11-25</a:t>
+              <a:t>2020-11-26</a:t>
             </a:fld>
             <a:endParaRPr lang="ko-KR" altLang="en-US"/>
           </a:p>
@@ -2464,7 +2464,7 @@
           <a:p>
             <a:fld id="{FB30EDBD-1C2D-4C1E-B459-B60219FAB484}" type="datetimeFigureOut">
               <a:rPr lang="ko-KR" altLang="en-US" smtClean="0"/>
-              <a:t>2020-11-25</a:t>
+              <a:t>2020-11-26</a:t>
             </a:fld>
             <a:endParaRPr lang="ko-KR" altLang="en-US"/>
           </a:p>
@@ -2734,7 +2734,7 @@
           <a:p>
             <a:fld id="{FB30EDBD-1C2D-4C1E-B459-B60219FAB484}" type="datetimeFigureOut">
               <a:rPr lang="ko-KR" altLang="en-US" smtClean="0"/>
-              <a:t>2020-11-25</a:t>
+              <a:t>2020-11-26</a:t>
             </a:fld>
             <a:endParaRPr lang="ko-KR" altLang="en-US"/>
           </a:p>
@@ -2981,7 +2981,7 @@
           <a:p>
             <a:fld id="{FB30EDBD-1C2D-4C1E-B459-B60219FAB484}" type="datetimeFigureOut">
               <a:rPr lang="ko-KR" altLang="en-US" smtClean="0"/>
-              <a:t>2020-11-25</a:t>
+              <a:t>2020-11-26</a:t>
             </a:fld>
             <a:endParaRPr lang="ko-KR" altLang="en-US"/>
           </a:p>
@@ -3187,7 +3187,7 @@
           <a:p>
             <a:fld id="{FB30EDBD-1C2D-4C1E-B459-B60219FAB484}" type="datetimeFigureOut">
               <a:rPr lang="ko-KR" altLang="en-US" smtClean="0"/>
-              <a:t>2020-11-25</a:t>
+              <a:t>2020-11-26</a:t>
             </a:fld>
             <a:endParaRPr lang="ko-KR" altLang="en-US"/>
           </a:p>
@@ -3844,7 +3844,7 @@
             <a:pPr algn="ctr"/>
             <a:r>
               <a:rPr lang="en-US" altLang="ko-KR" sz="1200" b="1"/>
-              <a:t>K8s Cluster A</a:t>
+              <a:t>ClusterAPI User K8s Cluster A</a:t>
             </a:r>
           </a:p>
         </p:txBody>
@@ -4052,7 +4052,7 @@
             <a:pPr algn="ctr"/>
             <a:r>
               <a:rPr lang="en-US" altLang="ko-KR" sz="1100"/>
-              <a:t>Tenant Network</a:t>
+              <a:t>Cluster (Tenant) Network</a:t>
             </a:r>
           </a:p>
         </p:txBody>
@@ -4913,6 +4913,14 @@
           <a:lstStyle/>
           <a:p>
             <a:pPr algn="ctr"/>
+            <a:r>
+              <a:rPr lang="en-US" altLang="ko-KR" sz="1200" b="1"/>
+              <a:t>ClusterAPI User</a:t>
+            </a:r>
+            <a:r>
+              <a:rPr lang="ko-KR" altLang="en-US" sz="1200" b="1"/>
+              <a:t> </a:t>
+            </a:r>
             <a:r>
               <a:rPr lang="en-US" altLang="ko-KR" sz="1200" b="1"/>
               <a:t>K8s Cluster B</a:t>
@@ -4972,7 +4980,7 @@
             <a:pPr algn="ctr"/>
             <a:r>
               <a:rPr lang="en-US" altLang="ko-KR" sz="1100"/>
-              <a:t>Tenant Network</a:t>
+              <a:t>Cluster (Tenant) Network</a:t>
             </a:r>
           </a:p>
         </p:txBody>
@@ -5039,8 +5047,8 @@
         </p:nvCxnSpPr>
         <p:spPr>
           <a:xfrm>
-            <a:off x="3214565" y="1228310"/>
-            <a:ext cx="0" cy="115908"/>
+            <a:off x="3214565" y="1209415"/>
+            <a:ext cx="0" cy="134803"/>
           </a:xfrm>
           <a:prstGeom prst="line">
             <a:avLst/>
@@ -5084,8 +5092,8 @@
         </p:nvCxnSpPr>
         <p:spPr>
           <a:xfrm>
-            <a:off x="4223479" y="1228310"/>
-            <a:ext cx="0" cy="115908"/>
+            <a:off x="4223479" y="1209415"/>
+            <a:ext cx="0" cy="134803"/>
           </a:xfrm>
           <a:prstGeom prst="line">
             <a:avLst/>
@@ -6178,14 +6186,15 @@
           </p:cNvPr>
           <p:cNvCxnSpPr>
             <a:cxnSpLocks/>
+            <a:stCxn id="62" idx="3"/>
             <a:endCxn id="171" idx="1"/>
           </p:cNvCxnSpPr>
           <p:nvPr/>
         </p:nvCxnSpPr>
         <p:spPr>
           <a:xfrm>
-            <a:off x="1887106" y="1210792"/>
-            <a:ext cx="137667" cy="0"/>
+            <a:off x="1768586" y="1209415"/>
+            <a:ext cx="256187" cy="1377"/>
           </a:xfrm>
           <a:prstGeom prst="line">
             <a:avLst/>
@@ -6403,6 +6412,63 @@
           </a:fontRef>
         </p:style>
       </p:cxnSp>
+      <p:sp>
+        <p:nvSpPr>
+          <p:cNvPr id="62" name="모서리가 둥근 직사각형 13">
+            <a:extLst>
+              <a:ext uri="{FF2B5EF4-FFF2-40B4-BE49-F238E27FC236}">
+                <a16:creationId xmlns:a16="http://schemas.microsoft.com/office/drawing/2014/main" id="{DC791BAC-1E93-4200-BB5C-D65863D976D9}"/>
+              </a:ext>
+            </a:extLst>
+          </p:cNvPr>
+          <p:cNvSpPr/>
+          <p:nvPr/>
+        </p:nvSpPr>
+        <p:spPr>
+          <a:xfrm>
+            <a:off x="467216" y="993807"/>
+            <a:ext cx="1301370" cy="431215"/>
+          </a:xfrm>
+          <a:prstGeom prst="roundRect">
+            <a:avLst>
+              <a:gd name="adj" fmla="val 17418"/>
+            </a:avLst>
+          </a:prstGeom>
+          <a:noFill/>
+        </p:spPr>
+        <p:style>
+          <a:lnRef idx="2">
+            <a:schemeClr val="dk1"/>
+          </a:lnRef>
+          <a:fillRef idx="1">
+            <a:schemeClr val="lt1"/>
+          </a:fillRef>
+          <a:effectRef idx="0">
+            <a:schemeClr val="dk1"/>
+          </a:effectRef>
+          <a:fontRef idx="minor">
+            <a:schemeClr val="dk1"/>
+          </a:fontRef>
+        </p:style>
+        <p:txBody>
+          <a:bodyPr rtlCol="0" anchor="ctr"/>
+          <a:lstStyle/>
+          <a:p>
+            <a:pPr algn="ctr"/>
+            <a:r>
+              <a:rPr lang="en-US" altLang="ko-KR" sz="1200" b="1"/>
+              <a:t>OpenStack </a:t>
+            </a:r>
+          </a:p>
+          <a:p>
+            <a:pPr algn="ctr"/>
+            <a:r>
+              <a:rPr lang="en-US" altLang="ko-KR" sz="1200" b="1"/>
+              <a:t>API Server</a:t>
+            </a:r>
+          </a:p>
+        </p:txBody>
+      </p:sp>
     </p:spTree>
     <p:extLst>
       <p:ext uri="{BB962C8B-B14F-4D97-AF65-F5344CB8AC3E}">

--- a/images/theory_analysis/Kubernetes_ClusterAPI_Architecture_OpenStack/Kubernetes_ClusterAPI_Architecture_OpenStack.pptx
+++ b/images/theory_analysis/Kubernetes_ClusterAPI_Architecture_OpenStack/Kubernetes_ClusterAPI_Architecture_OpenStack.pptx
@@ -3810,8 +3810,8 @@
         </p:nvSpPr>
         <p:spPr>
           <a:xfrm>
-            <a:off x="2726376" y="557114"/>
-            <a:ext cx="6022088" cy="2014636"/>
+            <a:off x="2726376" y="483522"/>
+            <a:ext cx="6022088" cy="2088228"/>
           </a:xfrm>
           <a:prstGeom prst="roundRect">
             <a:avLst>
@@ -4882,7 +4882,7 @@
         <p:spPr>
           <a:xfrm>
             <a:off x="2726376" y="3005384"/>
-            <a:ext cx="6022088" cy="2014637"/>
+            <a:ext cx="6022088" cy="2083592"/>
           </a:xfrm>
           <a:prstGeom prst="roundRect">
             <a:avLst>

--- a/images/theory_analysis/Kubernetes_ClusterAPI_Architecture_OpenStack/Kubernetes_ClusterAPI_Architecture_OpenStack.pptx
+++ b/images/theory_analysis/Kubernetes_ClusterAPI_Architecture_OpenStack/Kubernetes_ClusterAPI_Architecture_OpenStack.pptx
@@ -5,12 +5,13 @@
     <p:sldMasterId id="2147483648" r:id="rId1"/>
   </p:sldMasterIdLst>
   <p:notesMasterIdLst>
-    <p:notesMasterId r:id="rId5"/>
+    <p:notesMasterId r:id="rId6"/>
   </p:notesMasterIdLst>
   <p:sldIdLst>
-    <p:sldId id="393" r:id="rId2"/>
+    <p:sldId id="396" r:id="rId2"/>
     <p:sldId id="394" r:id="rId3"/>
-    <p:sldId id="395" r:id="rId4"/>
+    <p:sldId id="393" r:id="rId4"/>
+    <p:sldId id="395" r:id="rId5"/>
   </p:sldIdLst>
   <p:sldSz cx="9144000" cy="5143500" type="screen16x9"/>
   <p:notesSz cx="6858000" cy="9144000"/>
@@ -215,7 +216,7 @@
           <a:p>
             <a:fld id="{6CD5550B-26C4-49A9-A5BA-636EF7BE6CE9}" type="datetimeFigureOut">
               <a:rPr lang="ko-KR" altLang="en-US" smtClean="0"/>
-              <a:t>2020-11-26</a:t>
+              <a:t>2020-12-24</a:t>
             </a:fld>
             <a:endParaRPr lang="ko-KR" altLang="en-US"/>
           </a:p>
@@ -556,7 +557,7 @@
     </p:spTree>
     <p:extLst>
       <p:ext uri="{BB962C8B-B14F-4D97-AF65-F5344CB8AC3E}">
-        <p14:creationId xmlns:p14="http://schemas.microsoft.com/office/powerpoint/2010/main" val="1563299840"/>
+        <p14:creationId xmlns:p14="http://schemas.microsoft.com/office/powerpoint/2010/main" val="140683029"/>
       </p:ext>
     </p:extLst>
   </p:cSld>
@@ -632,6 +633,90 @@
             <a:fld id="{BA5DFA43-8D57-47FB-BC46-057616015C3B}" type="slidenum">
               <a:rPr lang="ko-KR" altLang="en-US" smtClean="0"/>
               <a:t>3</a:t>
+            </a:fld>
+            <a:endParaRPr lang="ko-KR" altLang="en-US"/>
+          </a:p>
+        </p:txBody>
+      </p:sp>
+    </p:spTree>
+    <p:extLst>
+      <p:ext uri="{BB962C8B-B14F-4D97-AF65-F5344CB8AC3E}">
+        <p14:creationId xmlns:p14="http://schemas.microsoft.com/office/powerpoint/2010/main" val="1563299840"/>
+      </p:ext>
+    </p:extLst>
+  </p:cSld>
+  <p:clrMapOvr>
+    <a:masterClrMapping/>
+  </p:clrMapOvr>
+</p:notes>
+</file>
+
+<file path=ppt/notesSlides/notesSlide3.xml><?xml version="1.0" encoding="utf-8"?>
+<p:notes xmlns:a="http://schemas.openxmlformats.org/drawingml/2006/main" xmlns:r="http://schemas.openxmlformats.org/officeDocument/2006/relationships" xmlns:p="http://schemas.openxmlformats.org/presentationml/2006/main">
+  <p:cSld>
+    <p:spTree>
+      <p:nvGrpSpPr>
+        <p:cNvPr id="1" name=""/>
+        <p:cNvGrpSpPr/>
+        <p:nvPr/>
+      </p:nvGrpSpPr>
+      <p:grpSpPr>
+        <a:xfrm>
+          <a:off x="0" y="0"/>
+          <a:ext cx="0" cy="0"/>
+          <a:chOff x="0" y="0"/>
+          <a:chExt cx="0" cy="0"/>
+        </a:xfrm>
+      </p:grpSpPr>
+      <p:sp>
+        <p:nvSpPr>
+          <p:cNvPr id="2" name="슬라이드 이미지 개체 틀 1"/>
+          <p:cNvSpPr>
+            <a:spLocks noGrp="1" noRot="1" noChangeAspect="1"/>
+          </p:cNvSpPr>
+          <p:nvPr>
+            <p:ph type="sldImg"/>
+          </p:nvPr>
+        </p:nvSpPr>
+        <p:spPr/>
+      </p:sp>
+      <p:sp>
+        <p:nvSpPr>
+          <p:cNvPr id="3" name="슬라이드 노트 개체 틀 2"/>
+          <p:cNvSpPr>
+            <a:spLocks noGrp="1"/>
+          </p:cNvSpPr>
+          <p:nvPr>
+            <p:ph type="body" idx="1"/>
+          </p:nvPr>
+        </p:nvSpPr>
+        <p:spPr/>
+        <p:txBody>
+          <a:bodyPr/>
+          <a:lstStyle/>
+          <a:p>
+            <a:endParaRPr lang="ko-KR" altLang="en-US" dirty="0"/>
+          </a:p>
+        </p:txBody>
+      </p:sp>
+      <p:sp>
+        <p:nvSpPr>
+          <p:cNvPr id="4" name="슬라이드 번호 개체 틀 3"/>
+          <p:cNvSpPr>
+            <a:spLocks noGrp="1"/>
+          </p:cNvSpPr>
+          <p:nvPr>
+            <p:ph type="sldNum" sz="quarter" idx="10"/>
+          </p:nvPr>
+        </p:nvSpPr>
+        <p:spPr/>
+        <p:txBody>
+          <a:bodyPr/>
+          <a:lstStyle/>
+          <a:p>
+            <a:fld id="{BA5DFA43-8D57-47FB-BC46-057616015C3B}" type="slidenum">
+              <a:rPr lang="ko-KR" altLang="en-US" smtClean="0"/>
+              <a:t>4</a:t>
             </a:fld>
             <a:endParaRPr lang="ko-KR" altLang="en-US"/>
           </a:p>
@@ -829,7 +914,7 @@
           <a:p>
             <a:fld id="{FB30EDBD-1C2D-4C1E-B459-B60219FAB484}" type="datetimeFigureOut">
               <a:rPr lang="ko-KR" altLang="en-US" smtClean="0"/>
-              <a:t>2020-11-26</a:t>
+              <a:t>2020-12-24</a:t>
             </a:fld>
             <a:endParaRPr lang="ko-KR" altLang="en-US"/>
           </a:p>
@@ -992,7 +1077,7 @@
           <a:p>
             <a:fld id="{FB30EDBD-1C2D-4C1E-B459-B60219FAB484}" type="datetimeFigureOut">
               <a:rPr lang="ko-KR" altLang="en-US" smtClean="0"/>
-              <a:t>2020-11-26</a:t>
+              <a:t>2020-12-24</a:t>
             </a:fld>
             <a:endParaRPr lang="ko-KR" altLang="en-US"/>
           </a:p>
@@ -1165,7 +1250,7 @@
           <a:p>
             <a:fld id="{FB30EDBD-1C2D-4C1E-B459-B60219FAB484}" type="datetimeFigureOut">
               <a:rPr lang="ko-KR" altLang="en-US" smtClean="0"/>
-              <a:t>2020-11-26</a:t>
+              <a:t>2020-12-24</a:t>
             </a:fld>
             <a:endParaRPr lang="ko-KR" altLang="en-US"/>
           </a:p>
@@ -1328,7 +1413,7 @@
           <a:p>
             <a:fld id="{FB30EDBD-1C2D-4C1E-B459-B60219FAB484}" type="datetimeFigureOut">
               <a:rPr lang="ko-KR" altLang="en-US" smtClean="0"/>
-              <a:t>2020-11-26</a:t>
+              <a:t>2020-12-24</a:t>
             </a:fld>
             <a:endParaRPr lang="ko-KR" altLang="en-US"/>
           </a:p>
@@ -1568,7 +1653,7 @@
           <a:p>
             <a:fld id="{FB30EDBD-1C2D-4C1E-B459-B60219FAB484}" type="datetimeFigureOut">
               <a:rPr lang="ko-KR" altLang="en-US" smtClean="0"/>
-              <a:t>2020-11-26</a:t>
+              <a:t>2020-12-24</a:t>
             </a:fld>
             <a:endParaRPr lang="ko-KR" altLang="en-US"/>
           </a:p>
@@ -1848,7 +1933,7 @@
           <a:p>
             <a:fld id="{FB30EDBD-1C2D-4C1E-B459-B60219FAB484}" type="datetimeFigureOut">
               <a:rPr lang="ko-KR" altLang="en-US" smtClean="0"/>
-              <a:t>2020-11-26</a:t>
+              <a:t>2020-12-24</a:t>
             </a:fld>
             <a:endParaRPr lang="ko-KR" altLang="en-US"/>
           </a:p>
@@ -2262,7 +2347,7 @@
           <a:p>
             <a:fld id="{FB30EDBD-1C2D-4C1E-B459-B60219FAB484}" type="datetimeFigureOut">
               <a:rPr lang="ko-KR" altLang="en-US" smtClean="0"/>
-              <a:t>2020-11-26</a:t>
+              <a:t>2020-12-24</a:t>
             </a:fld>
             <a:endParaRPr lang="ko-KR" altLang="en-US"/>
           </a:p>
@@ -2374,7 +2459,7 @@
           <a:p>
             <a:fld id="{FB30EDBD-1C2D-4C1E-B459-B60219FAB484}" type="datetimeFigureOut">
               <a:rPr lang="ko-KR" altLang="en-US" smtClean="0"/>
-              <a:t>2020-11-26</a:t>
+              <a:t>2020-12-24</a:t>
             </a:fld>
             <a:endParaRPr lang="ko-KR" altLang="en-US"/>
           </a:p>
@@ -2464,7 +2549,7 @@
           <a:p>
             <a:fld id="{FB30EDBD-1C2D-4C1E-B459-B60219FAB484}" type="datetimeFigureOut">
               <a:rPr lang="ko-KR" altLang="en-US" smtClean="0"/>
-              <a:t>2020-11-26</a:t>
+              <a:t>2020-12-24</a:t>
             </a:fld>
             <a:endParaRPr lang="ko-KR" altLang="en-US"/>
           </a:p>
@@ -2734,7 +2819,7 @@
           <a:p>
             <a:fld id="{FB30EDBD-1C2D-4C1E-B459-B60219FAB484}" type="datetimeFigureOut">
               <a:rPr lang="ko-KR" altLang="en-US" smtClean="0"/>
-              <a:t>2020-11-26</a:t>
+              <a:t>2020-12-24</a:t>
             </a:fld>
             <a:endParaRPr lang="ko-KR" altLang="en-US"/>
           </a:p>
@@ -2981,7 +3066,7 @@
           <a:p>
             <a:fld id="{FB30EDBD-1C2D-4C1E-B459-B60219FAB484}" type="datetimeFigureOut">
               <a:rPr lang="ko-KR" altLang="en-US" smtClean="0"/>
-              <a:t>2020-11-26</a:t>
+              <a:t>2020-12-24</a:t>
             </a:fld>
             <a:endParaRPr lang="ko-KR" altLang="en-US"/>
           </a:p>
@@ -3187,7 +3272,7 @@
           <a:p>
             <a:fld id="{FB30EDBD-1C2D-4C1E-B459-B60219FAB484}" type="datetimeFigureOut">
               <a:rPr lang="ko-KR" altLang="en-US" smtClean="0"/>
-              <a:t>2020-11-26</a:t>
+              <a:t>2020-12-24</a:t>
             </a:fld>
             <a:endParaRPr lang="ko-KR" altLang="en-US"/>
           </a:p>
@@ -3569,7 +3654,7 @@
         </p:nvSpPr>
         <p:spPr>
           <a:xfrm>
-            <a:off x="457200" y="-308570"/>
+            <a:off x="457200" y="-524594"/>
             <a:ext cx="8229600" cy="857250"/>
           </a:xfrm>
         </p:spPr>
@@ -3601,12 +3686,12 @@
         </p:nvSpPr>
         <p:spPr>
           <a:xfrm>
-            <a:off x="467216" y="1534332"/>
-            <a:ext cx="1301370" cy="893402"/>
+            <a:off x="108276" y="855721"/>
+            <a:ext cx="1878048" cy="2645248"/>
           </a:xfrm>
           <a:prstGeom prst="roundRect">
             <a:avLst>
-              <a:gd name="adj" fmla="val 7978"/>
+              <a:gd name="adj" fmla="val 5998"/>
             </a:avLst>
           </a:prstGeom>
           <a:noFill/>
@@ -3658,12 +3743,12 @@
         </p:nvSpPr>
         <p:spPr>
           <a:xfrm>
-            <a:off x="583274" y="1617750"/>
-            <a:ext cx="1104316" cy="335924"/>
+            <a:off x="261103" y="927729"/>
+            <a:ext cx="1641917" cy="325911"/>
           </a:xfrm>
           <a:prstGeom prst="roundRect">
             <a:avLst>
-              <a:gd name="adj" fmla="val 13982"/>
+              <a:gd name="adj" fmla="val 20385"/>
             </a:avLst>
           </a:prstGeom>
           <a:noFill/>
@@ -3688,8 +3773,8 @@
           <a:p>
             <a:pPr algn="ctr"/>
             <a:r>
-              <a:rPr lang="en-US" altLang="ko-KR" sz="1200" b="1"/>
-              <a:t>ClusterAPI</a:t>
+              <a:rPr lang="en-US" altLang="ko-KR" sz="1050" b="1"/>
+              <a:t>CAPI Controller</a:t>
             </a:r>
           </a:p>
         </p:txBody>
@@ -3708,7 +3793,7 @@
         </p:nvSpPr>
         <p:spPr>
           <a:xfrm>
-            <a:off x="2791472" y="3576056"/>
+            <a:off x="3079833" y="3562996"/>
             <a:ext cx="846186" cy="637448"/>
           </a:xfrm>
           <a:prstGeom prst="roundRect">
@@ -3759,7 +3844,7 @@
         </p:nvSpPr>
         <p:spPr>
           <a:xfrm>
-            <a:off x="3800386" y="3576056"/>
+            <a:off x="4088747" y="3562996"/>
             <a:ext cx="846186" cy="637448"/>
           </a:xfrm>
           <a:prstGeom prst="roundRect">
@@ -3810,7 +3895,7 @@
         </p:nvSpPr>
         <p:spPr>
           <a:xfrm>
-            <a:off x="2726376" y="483522"/>
+            <a:off x="3014737" y="470462"/>
             <a:ext cx="6022088" cy="2088228"/>
           </a:xfrm>
           <a:prstGeom prst="roundRect">
@@ -3844,7 +3929,7 @@
             <a:pPr algn="ctr"/>
             <a:r>
               <a:rPr lang="en-US" altLang="ko-KR" sz="1200" b="1"/>
-              <a:t>ClusterAPI User K8s Cluster A</a:t>
+              <a:t>User K8s Cluster A</a:t>
             </a:r>
           </a:p>
         </p:txBody>
@@ -3863,7 +3948,7 @@
         </p:nvSpPr>
         <p:spPr>
           <a:xfrm>
-            <a:off x="4809300" y="3564475"/>
+            <a:off x="5097661" y="3551415"/>
             <a:ext cx="846186" cy="637448"/>
           </a:xfrm>
           <a:prstGeom prst="roundRect">
@@ -3914,7 +3999,7 @@
         </p:nvSpPr>
         <p:spPr>
           <a:xfrm>
-            <a:off x="4030675" y="3094742"/>
+            <a:off x="4319036" y="3081682"/>
             <a:ext cx="1403208" cy="370916"/>
           </a:xfrm>
           <a:prstGeom prst="roundRect">
@@ -3965,7 +4050,7 @@
         </p:nvSpPr>
         <p:spPr>
           <a:xfrm>
-            <a:off x="6044235" y="3099099"/>
+            <a:off x="6332596" y="3086039"/>
             <a:ext cx="1403208" cy="370916"/>
           </a:xfrm>
           <a:prstGeom prst="roundRect">
@@ -4016,7 +4101,7 @@
         </p:nvSpPr>
         <p:spPr>
           <a:xfrm>
-            <a:off x="5110797" y="4462756"/>
+            <a:off x="5399158" y="4449696"/>
             <a:ext cx="1251828" cy="307016"/>
           </a:xfrm>
           <a:prstGeom prst="roundRect">
@@ -4074,7 +4159,7 @@
         </p:nvCxnSpPr>
         <p:spPr>
           <a:xfrm>
-            <a:off x="2661711" y="4329412"/>
+            <a:off x="2950072" y="4316352"/>
             <a:ext cx="5597420" cy="0"/>
           </a:xfrm>
           <a:prstGeom prst="line">
@@ -4118,7 +4203,7 @@
         </p:nvCxnSpPr>
         <p:spPr>
           <a:xfrm>
-            <a:off x="3214565" y="4213504"/>
+            <a:off x="3502926" y="4200444"/>
             <a:ext cx="0" cy="115908"/>
           </a:xfrm>
           <a:prstGeom prst="line">
@@ -4162,7 +4247,7 @@
         </p:nvCxnSpPr>
         <p:spPr>
           <a:xfrm>
-            <a:off x="4223479" y="4213504"/>
+            <a:off x="4511840" y="4200444"/>
             <a:ext cx="0" cy="115908"/>
           </a:xfrm>
           <a:prstGeom prst="line">
@@ -4206,7 +4291,7 @@
         </p:nvCxnSpPr>
         <p:spPr>
           <a:xfrm>
-            <a:off x="5232393" y="4201923"/>
+            <a:off x="5520754" y="4188863"/>
             <a:ext cx="0" cy="127489"/>
           </a:xfrm>
           <a:prstGeom prst="line">
@@ -4249,7 +4334,7 @@
         </p:nvCxnSpPr>
         <p:spPr>
           <a:xfrm>
-            <a:off x="6243926" y="4213504"/>
+            <a:off x="6532287" y="4200444"/>
             <a:ext cx="0" cy="115908"/>
           </a:xfrm>
           <a:prstGeom prst="line">
@@ -4293,7 +4378,7 @@
         </p:nvCxnSpPr>
         <p:spPr>
           <a:xfrm>
-            <a:off x="7250219" y="4201923"/>
+            <a:off x="7538580" y="4188863"/>
             <a:ext cx="0" cy="127489"/>
           </a:xfrm>
           <a:prstGeom prst="line">
@@ -4337,7 +4422,7 @@
         </p:nvCxnSpPr>
         <p:spPr>
           <a:xfrm flipV="1">
-            <a:off x="5736711" y="4329414"/>
+            <a:off x="6025072" y="4316354"/>
             <a:ext cx="0" cy="133342"/>
           </a:xfrm>
           <a:prstGeom prst="line">
@@ -4378,7 +4463,7 @@
         </p:nvSpPr>
         <p:spPr>
           <a:xfrm>
-            <a:off x="5818213" y="3564475"/>
+            <a:off x="6106574" y="3551415"/>
             <a:ext cx="846186" cy="637448"/>
           </a:xfrm>
           <a:prstGeom prst="roundRect">
@@ -4429,7 +4514,7 @@
         </p:nvSpPr>
         <p:spPr>
           <a:xfrm>
-            <a:off x="6827125" y="3564475"/>
+            <a:off x="7115486" y="3551415"/>
             <a:ext cx="846186" cy="637448"/>
           </a:xfrm>
           <a:prstGeom prst="roundRect">
@@ -4480,7 +4565,7 @@
         </p:nvSpPr>
         <p:spPr>
           <a:xfrm>
-            <a:off x="7836038" y="3564475"/>
+            <a:off x="8124399" y="3551415"/>
             <a:ext cx="846186" cy="637448"/>
           </a:xfrm>
           <a:prstGeom prst="roundRect">
@@ -4534,7 +4619,7 @@
         </p:nvCxnSpPr>
         <p:spPr>
           <a:xfrm>
-            <a:off x="8259132" y="4201923"/>
+            <a:off x="8547493" y="4188863"/>
             <a:ext cx="0" cy="127489"/>
           </a:xfrm>
           <a:prstGeom prst="line">
@@ -4575,7 +4660,7 @@
         </p:nvSpPr>
         <p:spPr>
           <a:xfrm>
-            <a:off x="2791472" y="1344218"/>
+            <a:off x="3079833" y="1331158"/>
             <a:ext cx="846186" cy="637448"/>
           </a:xfrm>
           <a:prstGeom prst="roundRect">
@@ -4626,7 +4711,7 @@
         </p:nvSpPr>
         <p:spPr>
           <a:xfrm>
-            <a:off x="3800386" y="1344218"/>
+            <a:off x="4088747" y="1331158"/>
             <a:ext cx="846186" cy="637448"/>
           </a:xfrm>
           <a:prstGeom prst="roundRect">
@@ -4677,7 +4762,7 @@
         </p:nvSpPr>
         <p:spPr>
           <a:xfrm>
-            <a:off x="4809300" y="1332637"/>
+            <a:off x="5097661" y="1319577"/>
             <a:ext cx="846186" cy="637448"/>
           </a:xfrm>
           <a:prstGeom prst="roundRect">
@@ -4728,7 +4813,7 @@
         </p:nvSpPr>
         <p:spPr>
           <a:xfrm>
-            <a:off x="5818213" y="1332637"/>
+            <a:off x="6106574" y="1319577"/>
             <a:ext cx="846186" cy="637448"/>
           </a:xfrm>
           <a:prstGeom prst="roundRect">
@@ -4779,7 +4864,7 @@
         </p:nvSpPr>
         <p:spPr>
           <a:xfrm>
-            <a:off x="6827125" y="1332637"/>
+            <a:off x="7115486" y="1319577"/>
             <a:ext cx="846186" cy="637448"/>
           </a:xfrm>
           <a:prstGeom prst="roundRect">
@@ -4830,7 +4915,7 @@
         </p:nvSpPr>
         <p:spPr>
           <a:xfrm>
-            <a:off x="7836038" y="1332637"/>
+            <a:off x="8124399" y="1319577"/>
             <a:ext cx="846186" cy="637448"/>
           </a:xfrm>
           <a:prstGeom prst="roundRect">
@@ -4881,7 +4966,7 @@
         </p:nvSpPr>
         <p:spPr>
           <a:xfrm>
-            <a:off x="2726376" y="3005384"/>
+            <a:off x="3014737" y="2992324"/>
             <a:ext cx="6022088" cy="2083592"/>
           </a:xfrm>
           <a:prstGeom prst="roundRect">
@@ -4915,7 +5000,7 @@
             <a:pPr algn="ctr"/>
             <a:r>
               <a:rPr lang="en-US" altLang="ko-KR" sz="1200" b="1"/>
-              <a:t>ClusterAPI User</a:t>
+              <a:t>User</a:t>
             </a:r>
             <a:r>
               <a:rPr lang="ko-KR" altLang="en-US" sz="1200" b="1"/>
@@ -4942,7 +5027,7 @@
         </p:nvSpPr>
         <p:spPr>
           <a:xfrm>
-            <a:off x="5110797" y="814240"/>
+            <a:off x="5399158" y="801180"/>
             <a:ext cx="1251828" cy="307016"/>
           </a:xfrm>
           <a:prstGeom prst="roundRect">
@@ -5002,7 +5087,7 @@
         </p:nvCxnSpPr>
         <p:spPr>
           <a:xfrm>
-            <a:off x="2661711" y="1210792"/>
+            <a:off x="2950072" y="1197732"/>
             <a:ext cx="5597420" cy="11268"/>
           </a:xfrm>
           <a:prstGeom prst="line">
@@ -5047,7 +5132,7 @@
         </p:nvCxnSpPr>
         <p:spPr>
           <a:xfrm>
-            <a:off x="3214565" y="1209415"/>
+            <a:off x="3502926" y="1196355"/>
             <a:ext cx="0" cy="134803"/>
           </a:xfrm>
           <a:prstGeom prst="line">
@@ -5092,7 +5177,7 @@
         </p:nvCxnSpPr>
         <p:spPr>
           <a:xfrm>
-            <a:off x="4223479" y="1209415"/>
+            <a:off x="4511840" y="1196355"/>
             <a:ext cx="0" cy="134803"/>
           </a:xfrm>
           <a:prstGeom prst="line">
@@ -5137,7 +5222,7 @@
         </p:nvCxnSpPr>
         <p:spPr>
           <a:xfrm>
-            <a:off x="5232393" y="1216729"/>
+            <a:off x="5520754" y="1203669"/>
             <a:ext cx="0" cy="127489"/>
           </a:xfrm>
           <a:prstGeom prst="line">
@@ -5182,7 +5267,7 @@
         </p:nvCxnSpPr>
         <p:spPr>
           <a:xfrm>
-            <a:off x="6243926" y="1228310"/>
+            <a:off x="6532287" y="1215250"/>
             <a:ext cx="0" cy="115908"/>
           </a:xfrm>
           <a:prstGeom prst="line">
@@ -5227,7 +5312,7 @@
         </p:nvCxnSpPr>
         <p:spPr>
           <a:xfrm>
-            <a:off x="7250219" y="1216729"/>
+            <a:off x="7538580" y="1203669"/>
             <a:ext cx="0" cy="127489"/>
           </a:xfrm>
           <a:prstGeom prst="line">
@@ -5272,7 +5357,7 @@
         </p:nvCxnSpPr>
         <p:spPr>
           <a:xfrm>
-            <a:off x="8259132" y="1216729"/>
+            <a:off x="8547493" y="1203669"/>
             <a:ext cx="0" cy="127489"/>
           </a:xfrm>
           <a:prstGeom prst="line">
@@ -5318,7 +5403,7 @@
         </p:nvCxnSpPr>
         <p:spPr>
           <a:xfrm flipV="1">
-            <a:off x="5736711" y="1121256"/>
+            <a:off x="6025072" y="1108196"/>
             <a:ext cx="0" cy="107944"/>
           </a:xfrm>
           <a:prstGeom prst="line">
@@ -5361,7 +5446,7 @@
         </p:nvSpPr>
         <p:spPr>
           <a:xfrm>
-            <a:off x="5090473" y="2626655"/>
+            <a:off x="5378834" y="2613595"/>
             <a:ext cx="1292478" cy="312058"/>
           </a:xfrm>
           <a:prstGeom prst="roundRect">
@@ -5424,7 +5509,7 @@
         </p:nvCxnSpPr>
         <p:spPr>
           <a:xfrm flipV="1">
-            <a:off x="6745839" y="2484254"/>
+            <a:off x="7034200" y="2471194"/>
             <a:ext cx="0" cy="614845"/>
           </a:xfrm>
           <a:prstGeom prst="line">
@@ -5470,7 +5555,7 @@
         </p:nvCxnSpPr>
         <p:spPr>
           <a:xfrm>
-            <a:off x="4732278" y="1228310"/>
+            <a:off x="5020639" y="1215250"/>
             <a:ext cx="1" cy="880671"/>
           </a:xfrm>
           <a:prstGeom prst="line">
@@ -5516,7 +5601,7 @@
         </p:nvCxnSpPr>
         <p:spPr>
           <a:xfrm>
-            <a:off x="4732279" y="3465658"/>
+            <a:off x="5020640" y="3452598"/>
             <a:ext cx="0" cy="863754"/>
           </a:xfrm>
           <a:prstGeom prst="line">
@@ -5560,7 +5645,7 @@
         </p:nvCxnSpPr>
         <p:spPr>
           <a:xfrm>
-            <a:off x="6745839" y="3470015"/>
+            <a:off x="7034200" y="3456955"/>
             <a:ext cx="0" cy="859397"/>
           </a:xfrm>
           <a:prstGeom prst="line">
@@ -5601,7 +5686,7 @@
         </p:nvSpPr>
         <p:spPr>
           <a:xfrm>
-            <a:off x="4030675" y="2108981"/>
+            <a:off x="4319036" y="2095921"/>
             <a:ext cx="1403208" cy="370916"/>
           </a:xfrm>
           <a:prstGeom prst="roundRect">
@@ -5652,7 +5737,7 @@
         </p:nvSpPr>
         <p:spPr>
           <a:xfrm>
-            <a:off x="6044235" y="2113338"/>
+            <a:off x="6332596" y="2100278"/>
             <a:ext cx="1403208" cy="370916"/>
           </a:xfrm>
           <a:prstGeom prst="roundRect">
@@ -5707,7 +5792,7 @@
         </p:nvCxnSpPr>
         <p:spPr>
           <a:xfrm flipV="1">
-            <a:off x="4732279" y="2479897"/>
+            <a:off x="5020640" y="2466837"/>
             <a:ext cx="0" cy="614845"/>
           </a:xfrm>
           <a:prstGeom prst="line">
@@ -5754,7 +5839,7 @@
         </p:nvCxnSpPr>
         <p:spPr>
           <a:xfrm flipV="1">
-            <a:off x="2661711" y="2782684"/>
+            <a:off x="2950072" y="2769624"/>
             <a:ext cx="2428762" cy="2318"/>
           </a:xfrm>
           <a:prstGeom prst="line">
@@ -5800,7 +5885,7 @@
         </p:nvCxnSpPr>
         <p:spPr>
           <a:xfrm>
-            <a:off x="6382951" y="2782684"/>
+            <a:off x="6671312" y="2769624"/>
             <a:ext cx="362888" cy="0"/>
           </a:xfrm>
           <a:prstGeom prst="line">
@@ -5846,7 +5931,7 @@
         </p:nvCxnSpPr>
         <p:spPr>
           <a:xfrm>
-            <a:off x="6745838" y="1228310"/>
+            <a:off x="7034199" y="1215250"/>
             <a:ext cx="1" cy="885028"/>
           </a:xfrm>
           <a:prstGeom prst="line">
@@ -5889,7 +5974,7 @@
         </p:nvSpPr>
         <p:spPr>
           <a:xfrm>
-            <a:off x="2024773" y="4121920"/>
+            <a:off x="2313134" y="4108860"/>
             <a:ext cx="636938" cy="414984"/>
           </a:xfrm>
           <a:prstGeom prst="roundRect">
@@ -5941,7 +6026,7 @@
         </p:nvSpPr>
         <p:spPr>
           <a:xfrm>
-            <a:off x="2024773" y="1003300"/>
+            <a:off x="2313134" y="990240"/>
             <a:ext cx="636938" cy="414984"/>
           </a:xfrm>
           <a:prstGeom prst="roundRect">
@@ -5993,7 +6078,7 @@
         </p:nvSpPr>
         <p:spPr>
           <a:xfrm>
-            <a:off x="2024773" y="2577510"/>
+            <a:off x="2313134" y="2564450"/>
             <a:ext cx="636938" cy="414984"/>
           </a:xfrm>
           <a:prstGeom prst="roundRect">
@@ -6045,7 +6130,7 @@
         </p:nvSpPr>
         <p:spPr>
           <a:xfrm>
-            <a:off x="467215" y="2643960"/>
+            <a:off x="394774" y="3611765"/>
             <a:ext cx="1301370" cy="282083"/>
           </a:xfrm>
           <a:prstGeom prst="roundRect">
@@ -6105,7 +6190,7 @@
         </p:nvCxnSpPr>
         <p:spPr>
           <a:xfrm>
-            <a:off x="1887106" y="4329412"/>
+            <a:off x="2175467" y="4316352"/>
             <a:ext cx="137667" cy="0"/>
           </a:xfrm>
           <a:prstGeom prst="line">
@@ -6143,13 +6228,14 @@
           </p:cNvPr>
           <p:cNvCxnSpPr>
             <a:cxnSpLocks/>
+            <a:stCxn id="62" idx="2"/>
           </p:cNvCxnSpPr>
           <p:nvPr/>
         </p:nvCxnSpPr>
         <p:spPr>
           <a:xfrm>
-            <a:off x="1887106" y="1210792"/>
-            <a:ext cx="0" cy="3118620"/>
+            <a:off x="2175467" y="770717"/>
+            <a:ext cx="0" cy="3545635"/>
           </a:xfrm>
           <a:prstGeom prst="line">
             <a:avLst/>
@@ -6177,24 +6263,23 @@
       </p:cxnSp>
       <p:cxnSp>
         <p:nvCxnSpPr>
-          <p:cNvPr id="196" name="직선 연결선 195">
-            <a:extLst>
-              <a:ext uri="{FF2B5EF4-FFF2-40B4-BE49-F238E27FC236}">
-                <a16:creationId xmlns:a16="http://schemas.microsoft.com/office/drawing/2014/main" id="{10A455AA-4592-477E-9BD3-BD518FBB252E}"/>
+          <p:cNvPr id="207" name="직선 연결선 206">
+            <a:extLst>
+              <a:ext uri="{FF2B5EF4-FFF2-40B4-BE49-F238E27FC236}">
+                <a16:creationId xmlns:a16="http://schemas.microsoft.com/office/drawing/2014/main" id="{5818592E-6EF8-4E8F-95AC-34870941173D}"/>
               </a:ext>
             </a:extLst>
           </p:cNvPr>
           <p:cNvCxnSpPr>
             <a:cxnSpLocks/>
-            <a:stCxn id="62" idx="3"/>
-            <a:endCxn id="171" idx="1"/>
+            <a:stCxn id="178" idx="3"/>
           </p:cNvCxnSpPr>
           <p:nvPr/>
         </p:nvCxnSpPr>
         <p:spPr>
           <a:xfrm>
-            <a:off x="1768586" y="1209415"/>
-            <a:ext cx="256187" cy="1377"/>
+            <a:off x="1696144" y="3752807"/>
+            <a:ext cx="475925" cy="0"/>
           </a:xfrm>
           <a:prstGeom prst="line">
             <a:avLst/>
@@ -6220,26 +6305,83 @@
           </a:fontRef>
         </p:style>
       </p:cxnSp>
+      <p:sp>
+        <p:nvSpPr>
+          <p:cNvPr id="239" name="모서리가 둥근 직사각형 13">
+            <a:extLst>
+              <a:ext uri="{FF2B5EF4-FFF2-40B4-BE49-F238E27FC236}">
+                <a16:creationId xmlns:a16="http://schemas.microsoft.com/office/drawing/2014/main" id="{7F2E1122-5350-4947-9EE8-BADDEF44749E}"/>
+              </a:ext>
+            </a:extLst>
+          </p:cNvPr>
+          <p:cNvSpPr/>
+          <p:nvPr/>
+        </p:nvSpPr>
+        <p:spPr>
+          <a:xfrm>
+            <a:off x="394774" y="4004644"/>
+            <a:ext cx="1301370" cy="431215"/>
+          </a:xfrm>
+          <a:prstGeom prst="roundRect">
+            <a:avLst>
+              <a:gd name="adj" fmla="val 17418"/>
+            </a:avLst>
+          </a:prstGeom>
+          <a:noFill/>
+        </p:spPr>
+        <p:style>
+          <a:lnRef idx="2">
+            <a:schemeClr val="dk1"/>
+          </a:lnRef>
+          <a:fillRef idx="1">
+            <a:schemeClr val="lt1"/>
+          </a:fillRef>
+          <a:effectRef idx="0">
+            <a:schemeClr val="dk1"/>
+          </a:effectRef>
+          <a:fontRef idx="minor">
+            <a:schemeClr val="dk1"/>
+          </a:fontRef>
+        </p:style>
+        <p:txBody>
+          <a:bodyPr rtlCol="0" anchor="ctr"/>
+          <a:lstStyle/>
+          <a:p>
+            <a:pPr algn="ctr"/>
+            <a:r>
+              <a:rPr lang="en-US" altLang="ko-KR" sz="1200"/>
+              <a:t>ClusterAPI</a:t>
+            </a:r>
+          </a:p>
+          <a:p>
+            <a:pPr algn="ctr"/>
+            <a:r>
+              <a:rPr lang="en-US" altLang="ko-KR" sz="1200"/>
+              <a:t>User PC</a:t>
+            </a:r>
+          </a:p>
+        </p:txBody>
+      </p:sp>
       <p:cxnSp>
         <p:nvCxnSpPr>
-          <p:cNvPr id="207" name="직선 연결선 206">
-            <a:extLst>
-              <a:ext uri="{FF2B5EF4-FFF2-40B4-BE49-F238E27FC236}">
-                <a16:creationId xmlns:a16="http://schemas.microsoft.com/office/drawing/2014/main" id="{5818592E-6EF8-4E8F-95AC-34870941173D}"/>
+          <p:cNvPr id="241" name="직선 연결선 240">
+            <a:extLst>
+              <a:ext uri="{FF2B5EF4-FFF2-40B4-BE49-F238E27FC236}">
+                <a16:creationId xmlns:a16="http://schemas.microsoft.com/office/drawing/2014/main" id="{1A2C0673-CBE3-4553-AE17-9342CB571FC3}"/>
               </a:ext>
             </a:extLst>
           </p:cNvPr>
           <p:cNvCxnSpPr>
             <a:cxnSpLocks/>
-            <a:stCxn id="178" idx="3"/>
-            <a:endCxn id="173" idx="1"/>
+            <a:stCxn id="69" idx="2"/>
+            <a:endCxn id="178" idx="0"/>
           </p:cNvCxnSpPr>
           <p:nvPr/>
         </p:nvCxnSpPr>
         <p:spPr>
-          <a:xfrm>
-            <a:off x="1768585" y="2785002"/>
-            <a:ext cx="256188" cy="0"/>
+          <a:xfrm flipH="1">
+            <a:off x="1045459" y="3500969"/>
+            <a:ext cx="1841" cy="110796"/>
           </a:xfrm>
           <a:prstGeom prst="line">
             <a:avLst/>
@@ -6265,83 +6407,26 @@
           </a:fontRef>
         </p:style>
       </p:cxnSp>
-      <p:sp>
-        <p:nvSpPr>
-          <p:cNvPr id="239" name="모서리가 둥근 직사각형 13">
-            <a:extLst>
-              <a:ext uri="{FF2B5EF4-FFF2-40B4-BE49-F238E27FC236}">
-                <a16:creationId xmlns:a16="http://schemas.microsoft.com/office/drawing/2014/main" id="{7F2E1122-5350-4947-9EE8-BADDEF44749E}"/>
-              </a:ext>
-            </a:extLst>
-          </p:cNvPr>
-          <p:cNvSpPr/>
-          <p:nvPr/>
-        </p:nvSpPr>
-        <p:spPr>
-          <a:xfrm>
-            <a:off x="467216" y="3144839"/>
-            <a:ext cx="1301370" cy="431215"/>
-          </a:xfrm>
-          <a:prstGeom prst="roundRect">
-            <a:avLst>
-              <a:gd name="adj" fmla="val 17418"/>
-            </a:avLst>
-          </a:prstGeom>
-          <a:noFill/>
-        </p:spPr>
-        <p:style>
-          <a:lnRef idx="2">
-            <a:schemeClr val="dk1"/>
-          </a:lnRef>
-          <a:fillRef idx="1">
-            <a:schemeClr val="lt1"/>
-          </a:fillRef>
-          <a:effectRef idx="0">
-            <a:schemeClr val="dk1"/>
-          </a:effectRef>
-          <a:fontRef idx="minor">
-            <a:schemeClr val="dk1"/>
-          </a:fontRef>
-        </p:style>
-        <p:txBody>
-          <a:bodyPr rtlCol="0" anchor="ctr"/>
-          <a:lstStyle/>
-          <a:p>
-            <a:pPr algn="ctr"/>
-            <a:r>
-              <a:rPr lang="en-US" altLang="ko-KR" sz="1200"/>
-              <a:t>ClusterAPI</a:t>
-            </a:r>
-          </a:p>
-          <a:p>
-            <a:pPr algn="ctr"/>
-            <a:r>
-              <a:rPr lang="en-US" altLang="ko-KR" sz="1200"/>
-              <a:t>User PC</a:t>
-            </a:r>
-          </a:p>
-        </p:txBody>
-      </p:sp>
       <p:cxnSp>
         <p:nvCxnSpPr>
-          <p:cNvPr id="241" name="직선 연결선 240">
-            <a:extLst>
-              <a:ext uri="{FF2B5EF4-FFF2-40B4-BE49-F238E27FC236}">
-                <a16:creationId xmlns:a16="http://schemas.microsoft.com/office/drawing/2014/main" id="{1A2C0673-CBE3-4553-AE17-9342CB571FC3}"/>
+          <p:cNvPr id="251" name="직선 연결선 250">
+            <a:extLst>
+              <a:ext uri="{FF2B5EF4-FFF2-40B4-BE49-F238E27FC236}">
+                <a16:creationId xmlns:a16="http://schemas.microsoft.com/office/drawing/2014/main" id="{6BFC97FA-AC67-45D7-BB85-A384002AEA47}"/>
               </a:ext>
             </a:extLst>
           </p:cNvPr>
           <p:cNvCxnSpPr>
             <a:cxnSpLocks/>
-            <a:stCxn id="69" idx="2"/>
-            <a:endCxn id="178" idx="0"/>
+            <a:stCxn id="178" idx="2"/>
+            <a:endCxn id="239" idx="0"/>
           </p:cNvCxnSpPr>
           <p:nvPr/>
         </p:nvCxnSpPr>
         <p:spPr>
-          <a:xfrm flipH="1">
-            <a:off x="1117900" y="2427734"/>
-            <a:ext cx="1" cy="216226"/>
+          <a:xfrm>
+            <a:off x="1045459" y="3893848"/>
+            <a:ext cx="0" cy="110796"/>
           </a:xfrm>
           <a:prstGeom prst="line">
             <a:avLst/>
@@ -6367,26 +6452,132 @@
           </a:fontRef>
         </p:style>
       </p:cxnSp>
+      <p:sp>
+        <p:nvSpPr>
+          <p:cNvPr id="62" name="모서리가 둥근 직사각형 13">
+            <a:extLst>
+              <a:ext uri="{FF2B5EF4-FFF2-40B4-BE49-F238E27FC236}">
+                <a16:creationId xmlns:a16="http://schemas.microsoft.com/office/drawing/2014/main" id="{DC791BAC-1E93-4200-BB5C-D65863D976D9}"/>
+              </a:ext>
+            </a:extLst>
+          </p:cNvPr>
+          <p:cNvSpPr/>
+          <p:nvPr/>
+        </p:nvSpPr>
+        <p:spPr>
+          <a:xfrm>
+            <a:off x="1524782" y="339502"/>
+            <a:ext cx="1301370" cy="431215"/>
+          </a:xfrm>
+          <a:prstGeom prst="roundRect">
+            <a:avLst>
+              <a:gd name="adj" fmla="val 17418"/>
+            </a:avLst>
+          </a:prstGeom>
+          <a:noFill/>
+        </p:spPr>
+        <p:style>
+          <a:lnRef idx="2">
+            <a:schemeClr val="dk1"/>
+          </a:lnRef>
+          <a:fillRef idx="1">
+            <a:schemeClr val="lt1"/>
+          </a:fillRef>
+          <a:effectRef idx="0">
+            <a:schemeClr val="dk1"/>
+          </a:effectRef>
+          <a:fontRef idx="minor">
+            <a:schemeClr val="dk1"/>
+          </a:fontRef>
+        </p:style>
+        <p:txBody>
+          <a:bodyPr rtlCol="0" anchor="ctr"/>
+          <a:lstStyle/>
+          <a:p>
+            <a:pPr algn="ctr"/>
+            <a:r>
+              <a:rPr lang="en-US" altLang="ko-KR" sz="1200" b="1"/>
+              <a:t>OpenStack </a:t>
+            </a:r>
+          </a:p>
+          <a:p>
+            <a:pPr algn="ctr"/>
+            <a:r>
+              <a:rPr lang="en-US" altLang="ko-KR" sz="1200" b="1"/>
+              <a:t>API Server</a:t>
+            </a:r>
+          </a:p>
+        </p:txBody>
+      </p:sp>
+      <p:sp>
+        <p:nvSpPr>
+          <p:cNvPr id="67" name="모서리가 둥근 직사각형 13">
+            <a:extLst>
+              <a:ext uri="{FF2B5EF4-FFF2-40B4-BE49-F238E27FC236}">
+                <a16:creationId xmlns:a16="http://schemas.microsoft.com/office/drawing/2014/main" id="{3EEDE8CA-75C1-466B-913F-E4AF6B4A086F}"/>
+              </a:ext>
+            </a:extLst>
+          </p:cNvPr>
+          <p:cNvSpPr/>
+          <p:nvPr/>
+        </p:nvSpPr>
+        <p:spPr>
+          <a:xfrm>
+            <a:off x="255187" y="1252726"/>
+            <a:ext cx="1641917" cy="325911"/>
+          </a:xfrm>
+          <a:prstGeom prst="roundRect">
+            <a:avLst>
+              <a:gd name="adj" fmla="val 20217"/>
+            </a:avLst>
+          </a:prstGeom>
+          <a:noFill/>
+        </p:spPr>
+        <p:style>
+          <a:lnRef idx="2">
+            <a:schemeClr val="dk1"/>
+          </a:lnRef>
+          <a:fillRef idx="1">
+            <a:schemeClr val="lt1"/>
+          </a:fillRef>
+          <a:effectRef idx="0">
+            <a:schemeClr val="dk1"/>
+          </a:effectRef>
+          <a:fontRef idx="minor">
+            <a:schemeClr val="dk1"/>
+          </a:fontRef>
+        </p:style>
+        <p:txBody>
+          <a:bodyPr rtlCol="0" anchor="ctr"/>
+          <a:lstStyle/>
+          <a:p>
+            <a:pPr algn="ctr"/>
+            <a:r>
+              <a:rPr lang="en-US" altLang="ko-KR" sz="1050" b="1"/>
+              <a:t>CAPI OpenStack Provider Controller</a:t>
+            </a:r>
+          </a:p>
+        </p:txBody>
+      </p:sp>
       <p:cxnSp>
         <p:nvCxnSpPr>
-          <p:cNvPr id="251" name="직선 연결선 250">
-            <a:extLst>
-              <a:ext uri="{FF2B5EF4-FFF2-40B4-BE49-F238E27FC236}">
-                <a16:creationId xmlns:a16="http://schemas.microsoft.com/office/drawing/2014/main" id="{6BFC97FA-AC67-45D7-BB85-A384002AEA47}"/>
+          <p:cNvPr id="87" name="직선 연결선 86">
+            <a:extLst>
+              <a:ext uri="{FF2B5EF4-FFF2-40B4-BE49-F238E27FC236}">
+                <a16:creationId xmlns:a16="http://schemas.microsoft.com/office/drawing/2014/main" id="{B56004AC-9972-46CF-9254-15D987C2E9E1}"/>
               </a:ext>
             </a:extLst>
           </p:cNvPr>
           <p:cNvCxnSpPr>
             <a:cxnSpLocks/>
-            <a:stCxn id="178" idx="2"/>
-            <a:endCxn id="239" idx="0"/>
+            <a:endCxn id="173" idx="1"/>
           </p:cNvCxnSpPr>
           <p:nvPr/>
         </p:nvCxnSpPr>
         <p:spPr>
           <a:xfrm>
-            <a:off x="1117900" y="2926043"/>
-            <a:ext cx="1" cy="218796"/>
+            <a:off x="2178844" y="2771942"/>
+            <a:ext cx="134290" cy="0"/>
           </a:xfrm>
           <a:prstGeom prst="line">
             <a:avLst/>
@@ -6412,67 +6603,540 @@
           </a:fontRef>
         </p:style>
       </p:cxnSp>
-      <p:sp>
-        <p:nvSpPr>
-          <p:cNvPr id="62" name="모서리가 둥근 직사각형 13">
-            <a:extLst>
-              <a:ext uri="{FF2B5EF4-FFF2-40B4-BE49-F238E27FC236}">
-                <a16:creationId xmlns:a16="http://schemas.microsoft.com/office/drawing/2014/main" id="{DC791BAC-1E93-4200-BB5C-D65863D976D9}"/>
-              </a:ext>
-            </a:extLst>
-          </p:cNvPr>
-          <p:cNvSpPr/>
-          <p:nvPr/>
-        </p:nvSpPr>
-        <p:spPr>
-          <a:xfrm>
-            <a:off x="467216" y="993807"/>
-            <a:ext cx="1301370" cy="431215"/>
-          </a:xfrm>
-          <a:prstGeom prst="roundRect">
-            <a:avLst>
-              <a:gd name="adj" fmla="val 17418"/>
-            </a:avLst>
-          </a:prstGeom>
-          <a:noFill/>
-        </p:spPr>
-        <p:style>
-          <a:lnRef idx="2">
-            <a:schemeClr val="dk1"/>
-          </a:lnRef>
-          <a:fillRef idx="1">
-            <a:schemeClr val="lt1"/>
-          </a:fillRef>
-          <a:effectRef idx="0">
-            <a:schemeClr val="dk1"/>
-          </a:effectRef>
-          <a:fontRef idx="minor">
-            <a:schemeClr val="dk1"/>
-          </a:fontRef>
-        </p:style>
-        <p:txBody>
-          <a:bodyPr rtlCol="0" anchor="ctr"/>
-          <a:lstStyle/>
-          <a:p>
-            <a:pPr algn="ctr"/>
-            <a:r>
-              <a:rPr lang="en-US" altLang="ko-KR" sz="1200" b="1"/>
-              <a:t>OpenStack </a:t>
-            </a:r>
-          </a:p>
-          <a:p>
-            <a:pPr algn="ctr"/>
-            <a:r>
-              <a:rPr lang="en-US" altLang="ko-KR" sz="1200" b="1"/>
-              <a:t>API Server</a:t>
-            </a:r>
-          </a:p>
-        </p:txBody>
-      </p:sp>
+      <p:cxnSp>
+        <p:nvCxnSpPr>
+          <p:cNvPr id="91" name="직선 연결선 90">
+            <a:extLst>
+              <a:ext uri="{FF2B5EF4-FFF2-40B4-BE49-F238E27FC236}">
+                <a16:creationId xmlns:a16="http://schemas.microsoft.com/office/drawing/2014/main" id="{BA656551-15BD-45E3-9D54-BE7C63A3EAAF}"/>
+              </a:ext>
+            </a:extLst>
+          </p:cNvPr>
+          <p:cNvCxnSpPr>
+            <a:cxnSpLocks/>
+            <a:endCxn id="171" idx="1"/>
+          </p:cNvCxnSpPr>
+          <p:nvPr/>
+        </p:nvCxnSpPr>
+        <p:spPr>
+          <a:xfrm>
+            <a:off x="2172069" y="1196355"/>
+            <a:ext cx="141065" cy="1377"/>
+          </a:xfrm>
+          <a:prstGeom prst="line">
+            <a:avLst/>
+          </a:prstGeom>
+          <a:ln w="28575">
+            <a:solidFill>
+              <a:srgbClr val="C00000"/>
+            </a:solidFill>
+          </a:ln>
+        </p:spPr>
+        <p:style>
+          <a:lnRef idx="1">
+            <a:schemeClr val="accent1"/>
+          </a:lnRef>
+          <a:fillRef idx="0">
+            <a:schemeClr val="accent1"/>
+          </a:fillRef>
+          <a:effectRef idx="0">
+            <a:schemeClr val="accent1"/>
+          </a:effectRef>
+          <a:fontRef idx="minor">
+            <a:schemeClr val="tx1"/>
+          </a:fontRef>
+        </p:style>
+      </p:cxnSp>
+      <p:grpSp>
+        <p:nvGrpSpPr>
+          <p:cNvPr id="26" name="그룹 25">
+            <a:extLst>
+              <a:ext uri="{FF2B5EF4-FFF2-40B4-BE49-F238E27FC236}">
+                <a16:creationId xmlns:a16="http://schemas.microsoft.com/office/drawing/2014/main" id="{0DB31B41-C24C-4DD0-8562-173F453C5078}"/>
+              </a:ext>
+            </a:extLst>
+          </p:cNvPr>
+          <p:cNvGrpSpPr/>
+          <p:nvPr/>
+        </p:nvGrpSpPr>
+        <p:grpSpPr>
+          <a:xfrm>
+            <a:off x="245752" y="1650644"/>
+            <a:ext cx="1638711" cy="1297951"/>
+            <a:chOff x="258393" y="1650644"/>
+            <a:chExt cx="1638711" cy="1297951"/>
+          </a:xfrm>
+        </p:grpSpPr>
+        <p:sp>
+          <p:nvSpPr>
+            <p:cNvPr id="77" name="모서리가 둥근 직사각형 13">
+              <a:extLst>
+                <a:ext uri="{FF2B5EF4-FFF2-40B4-BE49-F238E27FC236}">
+                  <a16:creationId xmlns:a16="http://schemas.microsoft.com/office/drawing/2014/main" id="{DE596132-3597-44EE-88C5-9A2BF8584A8C}"/>
+                </a:ext>
+              </a:extLst>
+            </p:cNvPr>
+            <p:cNvSpPr/>
+            <p:nvPr/>
+          </p:nvSpPr>
+          <p:spPr>
+            <a:xfrm>
+              <a:off x="258393" y="1650644"/>
+              <a:ext cx="1638711" cy="1297951"/>
+            </a:xfrm>
+            <a:prstGeom prst="roundRect">
+              <a:avLst>
+                <a:gd name="adj" fmla="val 5951"/>
+              </a:avLst>
+            </a:prstGeom>
+            <a:solidFill>
+              <a:schemeClr val="bg1"/>
+            </a:solidFill>
+          </p:spPr>
+          <p:style>
+            <a:lnRef idx="2">
+              <a:schemeClr val="dk1"/>
+            </a:lnRef>
+            <a:fillRef idx="1">
+              <a:schemeClr val="lt1"/>
+            </a:fillRef>
+            <a:effectRef idx="0">
+              <a:schemeClr val="dk1"/>
+            </a:effectRef>
+            <a:fontRef idx="minor">
+              <a:schemeClr val="dk1"/>
+            </a:fontRef>
+          </p:style>
+          <p:txBody>
+            <a:bodyPr rtlCol="0" anchor="b"/>
+            <a:lstStyle/>
+            <a:p>
+              <a:pPr algn="ctr"/>
+              <a:r>
+                <a:rPr lang="en-US" altLang="ko-KR" sz="1050"/>
+                <a:t>Cluster A Object</a:t>
+              </a:r>
+            </a:p>
+          </p:txBody>
+        </p:sp>
+        <p:sp>
+          <p:nvSpPr>
+            <p:cNvPr id="82" name="모서리가 둥근 직사각형 13">
+              <a:extLst>
+                <a:ext uri="{FF2B5EF4-FFF2-40B4-BE49-F238E27FC236}">
+                  <a16:creationId xmlns:a16="http://schemas.microsoft.com/office/drawing/2014/main" id="{1DFBE654-1335-4824-AB6D-2F107F067B56}"/>
+                </a:ext>
+              </a:extLst>
+            </p:cNvPr>
+            <p:cNvSpPr/>
+            <p:nvPr/>
+          </p:nvSpPr>
+          <p:spPr>
+            <a:xfrm>
+              <a:off x="340536" y="1719672"/>
+              <a:ext cx="1476738" cy="331271"/>
+            </a:xfrm>
+            <a:prstGeom prst="roundRect">
+              <a:avLst>
+                <a:gd name="adj" fmla="val 18690"/>
+              </a:avLst>
+            </a:prstGeom>
+            <a:solidFill>
+              <a:schemeClr val="bg1"/>
+            </a:solidFill>
+          </p:spPr>
+          <p:style>
+            <a:lnRef idx="2">
+              <a:schemeClr val="dk1"/>
+            </a:lnRef>
+            <a:fillRef idx="1">
+              <a:schemeClr val="lt1"/>
+            </a:fillRef>
+            <a:effectRef idx="0">
+              <a:schemeClr val="dk1"/>
+            </a:effectRef>
+            <a:fontRef idx="minor">
+              <a:schemeClr val="dk1"/>
+            </a:fontRef>
+          </p:style>
+          <p:txBody>
+            <a:bodyPr rtlCol="0" anchor="ctr"/>
+            <a:lstStyle/>
+            <a:p>
+              <a:pPr algn="ctr"/>
+              <a:r>
+                <a:rPr lang="en-US" altLang="ko-KR" sz="1000"/>
+                <a:t>Control Plain</a:t>
+              </a:r>
+            </a:p>
+            <a:p>
+              <a:pPr algn="ctr"/>
+              <a:r>
+                <a:rPr lang="en-US" altLang="ko-KR" sz="1000"/>
+                <a:t>(Master) Object</a:t>
+              </a:r>
+            </a:p>
+          </p:txBody>
+        </p:sp>
+        <p:sp>
+          <p:nvSpPr>
+            <p:cNvPr id="85" name="모서리가 둥근 직사각형 13">
+              <a:extLst>
+                <a:ext uri="{FF2B5EF4-FFF2-40B4-BE49-F238E27FC236}">
+                  <a16:creationId xmlns:a16="http://schemas.microsoft.com/office/drawing/2014/main" id="{F152FACF-0DDE-48CE-949F-7A4D0AE2CBBE}"/>
+                </a:ext>
+              </a:extLst>
+            </p:cNvPr>
+            <p:cNvSpPr/>
+            <p:nvPr/>
+          </p:nvSpPr>
+          <p:spPr>
+            <a:xfrm>
+              <a:off x="340536" y="2382469"/>
+              <a:ext cx="1476738" cy="283032"/>
+            </a:xfrm>
+            <a:prstGeom prst="roundRect">
+              <a:avLst>
+                <a:gd name="adj" fmla="val 21875"/>
+              </a:avLst>
+            </a:prstGeom>
+            <a:solidFill>
+              <a:schemeClr val="bg1"/>
+            </a:solidFill>
+          </p:spPr>
+          <p:style>
+            <a:lnRef idx="2">
+              <a:schemeClr val="dk1"/>
+            </a:lnRef>
+            <a:fillRef idx="1">
+              <a:schemeClr val="lt1"/>
+            </a:fillRef>
+            <a:effectRef idx="0">
+              <a:schemeClr val="dk1"/>
+            </a:effectRef>
+            <a:fontRef idx="minor">
+              <a:schemeClr val="dk1"/>
+            </a:fontRef>
+          </p:style>
+          <p:txBody>
+            <a:bodyPr rtlCol="0" anchor="ctr"/>
+            <a:lstStyle/>
+            <a:p>
+              <a:pPr algn="ctr"/>
+              <a:r>
+                <a:rPr lang="en-US" altLang="ko-KR" sz="1000"/>
+                <a:t>Certificate Object</a:t>
+              </a:r>
+            </a:p>
+          </p:txBody>
+        </p:sp>
+        <p:sp>
+          <p:nvSpPr>
+            <p:cNvPr id="84" name="모서리가 둥근 직사각형 13">
+              <a:extLst>
+                <a:ext uri="{FF2B5EF4-FFF2-40B4-BE49-F238E27FC236}">
+                  <a16:creationId xmlns:a16="http://schemas.microsoft.com/office/drawing/2014/main" id="{C11E8FC8-160D-49B0-B368-7B4896664ED6}"/>
+                </a:ext>
+              </a:extLst>
+            </p:cNvPr>
+            <p:cNvSpPr/>
+            <p:nvPr/>
+          </p:nvSpPr>
+          <p:spPr>
+            <a:xfrm>
+              <a:off x="340536" y="2050943"/>
+              <a:ext cx="1476738" cy="331271"/>
+            </a:xfrm>
+            <a:prstGeom prst="roundRect">
+              <a:avLst>
+                <a:gd name="adj" fmla="val 17252"/>
+              </a:avLst>
+            </a:prstGeom>
+            <a:solidFill>
+              <a:schemeClr val="bg1"/>
+            </a:solidFill>
+          </p:spPr>
+          <p:style>
+            <a:lnRef idx="2">
+              <a:schemeClr val="dk1"/>
+            </a:lnRef>
+            <a:fillRef idx="1">
+              <a:schemeClr val="lt1"/>
+            </a:fillRef>
+            <a:effectRef idx="0">
+              <a:schemeClr val="dk1"/>
+            </a:effectRef>
+            <a:fontRef idx="minor">
+              <a:schemeClr val="dk1"/>
+            </a:fontRef>
+          </p:style>
+          <p:txBody>
+            <a:bodyPr rtlCol="0" anchor="ctr"/>
+            <a:lstStyle/>
+            <a:p>
+              <a:pPr algn="ctr"/>
+              <a:r>
+                <a:rPr lang="en-US" altLang="ko-KR" sz="1000"/>
+                <a:t>Machine </a:t>
+              </a:r>
+            </a:p>
+            <a:p>
+              <a:pPr algn="ctr"/>
+              <a:r>
+                <a:rPr lang="en-US" altLang="ko-KR" sz="1000"/>
+                <a:t>(Worker) Object</a:t>
+              </a:r>
+            </a:p>
+          </p:txBody>
+        </p:sp>
+      </p:grpSp>
+      <p:grpSp>
+        <p:nvGrpSpPr>
+          <p:cNvPr id="112" name="그룹 111">
+            <a:extLst>
+              <a:ext uri="{FF2B5EF4-FFF2-40B4-BE49-F238E27FC236}">
+                <a16:creationId xmlns:a16="http://schemas.microsoft.com/office/drawing/2014/main" id="{E8797285-8D28-461B-B645-50BFDF4C9C08}"/>
+              </a:ext>
+            </a:extLst>
+          </p:cNvPr>
+          <p:cNvGrpSpPr/>
+          <p:nvPr/>
+        </p:nvGrpSpPr>
+        <p:grpSpPr>
+          <a:xfrm>
+            <a:off x="179512" y="1706568"/>
+            <a:ext cx="1638711" cy="1297951"/>
+            <a:chOff x="258393" y="1650644"/>
+            <a:chExt cx="1638711" cy="1297951"/>
+          </a:xfrm>
+        </p:grpSpPr>
+        <p:sp>
+          <p:nvSpPr>
+            <p:cNvPr id="113" name="모서리가 둥근 직사각형 13">
+              <a:extLst>
+                <a:ext uri="{FF2B5EF4-FFF2-40B4-BE49-F238E27FC236}">
+                  <a16:creationId xmlns:a16="http://schemas.microsoft.com/office/drawing/2014/main" id="{F2C73FEF-B102-4B19-9F75-0277C18347B2}"/>
+                </a:ext>
+              </a:extLst>
+            </p:cNvPr>
+            <p:cNvSpPr/>
+            <p:nvPr/>
+          </p:nvSpPr>
+          <p:spPr>
+            <a:xfrm>
+              <a:off x="258393" y="1650644"/>
+              <a:ext cx="1638711" cy="1297951"/>
+            </a:xfrm>
+            <a:prstGeom prst="roundRect">
+              <a:avLst>
+                <a:gd name="adj" fmla="val 5951"/>
+              </a:avLst>
+            </a:prstGeom>
+            <a:solidFill>
+              <a:schemeClr val="bg1"/>
+            </a:solidFill>
+          </p:spPr>
+          <p:style>
+            <a:lnRef idx="2">
+              <a:schemeClr val="dk1"/>
+            </a:lnRef>
+            <a:fillRef idx="1">
+              <a:schemeClr val="lt1"/>
+            </a:fillRef>
+            <a:effectRef idx="0">
+              <a:schemeClr val="dk1"/>
+            </a:effectRef>
+            <a:fontRef idx="minor">
+              <a:schemeClr val="dk1"/>
+            </a:fontRef>
+          </p:style>
+          <p:txBody>
+            <a:bodyPr rtlCol="0" anchor="b"/>
+            <a:lstStyle/>
+            <a:p>
+              <a:pPr algn="ctr"/>
+              <a:r>
+                <a:rPr lang="en-US" altLang="ko-KR" sz="1050" b="1"/>
+                <a:t>Cluster A Object</a:t>
+              </a:r>
+            </a:p>
+          </p:txBody>
+        </p:sp>
+        <p:sp>
+          <p:nvSpPr>
+            <p:cNvPr id="115" name="모서리가 둥근 직사각형 13">
+              <a:extLst>
+                <a:ext uri="{FF2B5EF4-FFF2-40B4-BE49-F238E27FC236}">
+                  <a16:creationId xmlns:a16="http://schemas.microsoft.com/office/drawing/2014/main" id="{E1885433-2CD9-4B61-88C2-63C50F337154}"/>
+                </a:ext>
+              </a:extLst>
+            </p:cNvPr>
+            <p:cNvSpPr/>
+            <p:nvPr/>
+          </p:nvSpPr>
+          <p:spPr>
+            <a:xfrm>
+              <a:off x="340536" y="1719672"/>
+              <a:ext cx="1476738" cy="331271"/>
+            </a:xfrm>
+            <a:prstGeom prst="roundRect">
+              <a:avLst>
+                <a:gd name="adj" fmla="val 18690"/>
+              </a:avLst>
+            </a:prstGeom>
+            <a:solidFill>
+              <a:schemeClr val="bg1"/>
+            </a:solidFill>
+          </p:spPr>
+          <p:style>
+            <a:lnRef idx="2">
+              <a:schemeClr val="dk1"/>
+            </a:lnRef>
+            <a:fillRef idx="1">
+              <a:schemeClr val="lt1"/>
+            </a:fillRef>
+            <a:effectRef idx="0">
+              <a:schemeClr val="dk1"/>
+            </a:effectRef>
+            <a:fontRef idx="minor">
+              <a:schemeClr val="dk1"/>
+            </a:fontRef>
+          </p:style>
+          <p:txBody>
+            <a:bodyPr rtlCol="0" anchor="ctr"/>
+            <a:lstStyle/>
+            <a:p>
+              <a:pPr algn="ctr"/>
+              <a:r>
+                <a:rPr lang="en-US" altLang="ko-KR" sz="1000"/>
+                <a:t>Control Plain</a:t>
+              </a:r>
+            </a:p>
+            <a:p>
+              <a:pPr algn="ctr"/>
+              <a:r>
+                <a:rPr lang="en-US" altLang="ko-KR" sz="1000"/>
+                <a:t>(Master) Object</a:t>
+              </a:r>
+            </a:p>
+          </p:txBody>
+        </p:sp>
+        <p:sp>
+          <p:nvSpPr>
+            <p:cNvPr id="119" name="모서리가 둥근 직사각형 13">
+              <a:extLst>
+                <a:ext uri="{FF2B5EF4-FFF2-40B4-BE49-F238E27FC236}">
+                  <a16:creationId xmlns:a16="http://schemas.microsoft.com/office/drawing/2014/main" id="{0AA7EDB0-75C0-47E0-A2A1-311A986ADACE}"/>
+                </a:ext>
+              </a:extLst>
+            </p:cNvPr>
+            <p:cNvSpPr/>
+            <p:nvPr/>
+          </p:nvSpPr>
+          <p:spPr>
+            <a:xfrm>
+              <a:off x="340536" y="2382469"/>
+              <a:ext cx="1476738" cy="283032"/>
+            </a:xfrm>
+            <a:prstGeom prst="roundRect">
+              <a:avLst>
+                <a:gd name="adj" fmla="val 21875"/>
+              </a:avLst>
+            </a:prstGeom>
+            <a:solidFill>
+              <a:schemeClr val="bg1"/>
+            </a:solidFill>
+          </p:spPr>
+          <p:style>
+            <a:lnRef idx="2">
+              <a:schemeClr val="dk1"/>
+            </a:lnRef>
+            <a:fillRef idx="1">
+              <a:schemeClr val="lt1"/>
+            </a:fillRef>
+            <a:effectRef idx="0">
+              <a:schemeClr val="dk1"/>
+            </a:effectRef>
+            <a:fontRef idx="minor">
+              <a:schemeClr val="dk1"/>
+            </a:fontRef>
+          </p:style>
+          <p:txBody>
+            <a:bodyPr rtlCol="0" anchor="ctr"/>
+            <a:lstStyle/>
+            <a:p>
+              <a:pPr algn="ctr"/>
+              <a:r>
+                <a:rPr lang="en-US" altLang="ko-KR" sz="1000"/>
+                <a:t>Cert/Key Object</a:t>
+              </a:r>
+            </a:p>
+          </p:txBody>
+        </p:sp>
+        <p:sp>
+          <p:nvSpPr>
+            <p:cNvPr id="122" name="모서리가 둥근 직사각형 13">
+              <a:extLst>
+                <a:ext uri="{FF2B5EF4-FFF2-40B4-BE49-F238E27FC236}">
+                  <a16:creationId xmlns:a16="http://schemas.microsoft.com/office/drawing/2014/main" id="{2FB4309D-CE17-465F-BE20-E037EDA02C12}"/>
+                </a:ext>
+              </a:extLst>
+            </p:cNvPr>
+            <p:cNvSpPr/>
+            <p:nvPr/>
+          </p:nvSpPr>
+          <p:spPr>
+            <a:xfrm>
+              <a:off x="340536" y="2050943"/>
+              <a:ext cx="1476738" cy="331271"/>
+            </a:xfrm>
+            <a:prstGeom prst="roundRect">
+              <a:avLst>
+                <a:gd name="adj" fmla="val 17252"/>
+              </a:avLst>
+            </a:prstGeom>
+            <a:solidFill>
+              <a:schemeClr val="bg1"/>
+            </a:solidFill>
+          </p:spPr>
+          <p:style>
+            <a:lnRef idx="2">
+              <a:schemeClr val="dk1"/>
+            </a:lnRef>
+            <a:fillRef idx="1">
+              <a:schemeClr val="lt1"/>
+            </a:fillRef>
+            <a:effectRef idx="0">
+              <a:schemeClr val="dk1"/>
+            </a:effectRef>
+            <a:fontRef idx="minor">
+              <a:schemeClr val="dk1"/>
+            </a:fontRef>
+          </p:style>
+          <p:txBody>
+            <a:bodyPr rtlCol="0" anchor="ctr"/>
+            <a:lstStyle/>
+            <a:p>
+              <a:pPr algn="ctr"/>
+              <a:r>
+                <a:rPr lang="en-US" altLang="ko-KR" sz="1000"/>
+                <a:t>Machine </a:t>
+              </a:r>
+            </a:p>
+            <a:p>
+              <a:pPr algn="ctr"/>
+              <a:r>
+                <a:rPr lang="en-US" altLang="ko-KR" sz="1000"/>
+                <a:t>(Worker) Object</a:t>
+              </a:r>
+            </a:p>
+          </p:txBody>
+        </p:sp>
+      </p:grpSp>
     </p:spTree>
     <p:extLst>
       <p:ext uri="{BB962C8B-B14F-4D97-AF65-F5344CB8AC3E}">
-        <p14:creationId xmlns:p14="http://schemas.microsoft.com/office/powerpoint/2010/main" val="952868351"/>
+        <p14:creationId xmlns:p14="http://schemas.microsoft.com/office/powerpoint/2010/main" val="616284134"/>
       </p:ext>
     </p:extLst>
   </p:cSld>
@@ -6513,6 +7177,2948 @@
 </file>
 
 <file path=ppt/slides/slide3.xml><?xml version="1.0" encoding="utf-8"?>
+<p:sld xmlns:a="http://schemas.openxmlformats.org/drawingml/2006/main" xmlns:r="http://schemas.openxmlformats.org/officeDocument/2006/relationships" xmlns:p="http://schemas.openxmlformats.org/presentationml/2006/main">
+  <p:cSld>
+    <p:spTree>
+      <p:nvGrpSpPr>
+        <p:cNvPr id="1" name=""/>
+        <p:cNvGrpSpPr/>
+        <p:nvPr/>
+      </p:nvGrpSpPr>
+      <p:grpSpPr>
+        <a:xfrm>
+          <a:off x="0" y="0"/>
+          <a:ext cx="0" cy="0"/>
+          <a:chOff x="0" y="0"/>
+          <a:chExt cx="0" cy="0"/>
+        </a:xfrm>
+      </p:grpSpPr>
+      <p:sp>
+        <p:nvSpPr>
+          <p:cNvPr id="6" name="제목 1"/>
+          <p:cNvSpPr>
+            <a:spLocks noGrp="1"/>
+          </p:cNvSpPr>
+          <p:nvPr>
+            <p:ph type="title"/>
+          </p:nvPr>
+        </p:nvSpPr>
+        <p:spPr>
+          <a:xfrm>
+            <a:off x="457200" y="-308570"/>
+            <a:ext cx="8229600" cy="857250"/>
+          </a:xfrm>
+        </p:spPr>
+        <p:txBody>
+          <a:bodyPr>
+            <a:normAutofit/>
+          </a:bodyPr>
+          <a:lstStyle/>
+          <a:p>
+            <a:r>
+              <a:rPr lang="en-US" altLang="ko-KR"/>
+              <a:t>Architecture</a:t>
+            </a:r>
+            <a:endParaRPr lang="ko-KR" altLang="en-US" dirty="0"/>
+          </a:p>
+        </p:txBody>
+      </p:sp>
+      <p:sp>
+        <p:nvSpPr>
+          <p:cNvPr id="69" name="모서리가 둥근 직사각형 13">
+            <a:extLst>
+              <a:ext uri="{FF2B5EF4-FFF2-40B4-BE49-F238E27FC236}">
+                <a16:creationId xmlns:a16="http://schemas.microsoft.com/office/drawing/2014/main" id="{C57383FA-E0D4-4955-B5AE-ADFB1A90F982}"/>
+              </a:ext>
+            </a:extLst>
+          </p:cNvPr>
+          <p:cNvSpPr/>
+          <p:nvPr/>
+        </p:nvSpPr>
+        <p:spPr>
+          <a:xfrm>
+            <a:off x="467216" y="1534332"/>
+            <a:ext cx="1301370" cy="893402"/>
+          </a:xfrm>
+          <a:prstGeom prst="roundRect">
+            <a:avLst>
+              <a:gd name="adj" fmla="val 7978"/>
+            </a:avLst>
+          </a:prstGeom>
+          <a:noFill/>
+        </p:spPr>
+        <p:style>
+          <a:lnRef idx="2">
+            <a:schemeClr val="dk1"/>
+          </a:lnRef>
+          <a:fillRef idx="1">
+            <a:schemeClr val="lt1"/>
+          </a:fillRef>
+          <a:effectRef idx="0">
+            <a:schemeClr val="dk1"/>
+          </a:effectRef>
+          <a:fontRef idx="minor">
+            <a:schemeClr val="dk1"/>
+          </a:fontRef>
+        </p:style>
+        <p:txBody>
+          <a:bodyPr rtlCol="0" anchor="b"/>
+          <a:lstStyle/>
+          <a:p>
+            <a:pPr algn="ctr"/>
+            <a:r>
+              <a:rPr lang="en-US" altLang="ko-KR" sz="1200"/>
+              <a:t>ClusterAPI </a:t>
+            </a:r>
+          </a:p>
+          <a:p>
+            <a:pPr algn="ctr"/>
+            <a:r>
+              <a:rPr lang="en-US" altLang="ko-KR" sz="1200"/>
+              <a:t>K8s Cluster</a:t>
+            </a:r>
+          </a:p>
+        </p:txBody>
+      </p:sp>
+      <p:sp>
+        <p:nvSpPr>
+          <p:cNvPr id="70" name="모서리가 둥근 직사각형 13">
+            <a:extLst>
+              <a:ext uri="{FF2B5EF4-FFF2-40B4-BE49-F238E27FC236}">
+                <a16:creationId xmlns:a16="http://schemas.microsoft.com/office/drawing/2014/main" id="{1E251293-9159-406E-8142-7CB6B3153620}"/>
+              </a:ext>
+            </a:extLst>
+          </p:cNvPr>
+          <p:cNvSpPr/>
+          <p:nvPr/>
+        </p:nvSpPr>
+        <p:spPr>
+          <a:xfrm>
+            <a:off x="583274" y="1617750"/>
+            <a:ext cx="1104316" cy="335924"/>
+          </a:xfrm>
+          <a:prstGeom prst="roundRect">
+            <a:avLst>
+              <a:gd name="adj" fmla="val 13982"/>
+            </a:avLst>
+          </a:prstGeom>
+          <a:noFill/>
+        </p:spPr>
+        <p:style>
+          <a:lnRef idx="2">
+            <a:schemeClr val="dk1"/>
+          </a:lnRef>
+          <a:fillRef idx="1">
+            <a:schemeClr val="lt1"/>
+          </a:fillRef>
+          <a:effectRef idx="0">
+            <a:schemeClr val="dk1"/>
+          </a:effectRef>
+          <a:fontRef idx="minor">
+            <a:schemeClr val="dk1"/>
+          </a:fontRef>
+        </p:style>
+        <p:txBody>
+          <a:bodyPr rtlCol="0" anchor="ctr"/>
+          <a:lstStyle/>
+          <a:p>
+            <a:pPr algn="ctr"/>
+            <a:r>
+              <a:rPr lang="en-US" altLang="ko-KR" sz="1200" b="1"/>
+              <a:t>ClusterAPI</a:t>
+            </a:r>
+          </a:p>
+        </p:txBody>
+      </p:sp>
+      <p:sp>
+        <p:nvSpPr>
+          <p:cNvPr id="42" name="모서리가 둥근 직사각형 47">
+            <a:extLst>
+              <a:ext uri="{FF2B5EF4-FFF2-40B4-BE49-F238E27FC236}">
+                <a16:creationId xmlns:a16="http://schemas.microsoft.com/office/drawing/2014/main" id="{AC0EF35E-0636-4CBA-8642-7E56EEC7CB79}"/>
+              </a:ext>
+            </a:extLst>
+          </p:cNvPr>
+          <p:cNvSpPr/>
+          <p:nvPr/>
+        </p:nvSpPr>
+        <p:spPr>
+          <a:xfrm>
+            <a:off x="2791472" y="3576056"/>
+            <a:ext cx="846186" cy="637448"/>
+          </a:xfrm>
+          <a:prstGeom prst="roundRect">
+            <a:avLst>
+              <a:gd name="adj" fmla="val 11578"/>
+            </a:avLst>
+          </a:prstGeom>
+          <a:noFill/>
+        </p:spPr>
+        <p:style>
+          <a:lnRef idx="2">
+            <a:schemeClr val="dk1"/>
+          </a:lnRef>
+          <a:fillRef idx="1">
+            <a:schemeClr val="lt1"/>
+          </a:fillRef>
+          <a:effectRef idx="0">
+            <a:schemeClr val="dk1"/>
+          </a:effectRef>
+          <a:fontRef idx="minor">
+            <a:schemeClr val="dk1"/>
+          </a:fontRef>
+        </p:style>
+        <p:txBody>
+          <a:bodyPr rtlCol="0" anchor="ctr"/>
+          <a:lstStyle/>
+          <a:p>
+            <a:pPr algn="ctr"/>
+            <a:r>
+              <a:rPr lang="en-US" altLang="ko-KR" sz="1200"/>
+              <a:t>Bastion Node</a:t>
+            </a:r>
+            <a:endParaRPr lang="en-US" altLang="ko-KR" sz="1200" dirty="0"/>
+          </a:p>
+        </p:txBody>
+      </p:sp>
+      <p:sp>
+        <p:nvSpPr>
+          <p:cNvPr id="51" name="모서리가 둥근 직사각형 47">
+            <a:extLst>
+              <a:ext uri="{FF2B5EF4-FFF2-40B4-BE49-F238E27FC236}">
+                <a16:creationId xmlns:a16="http://schemas.microsoft.com/office/drawing/2014/main" id="{2BD038F1-FE47-45A1-ADA8-7E57BDB209CC}"/>
+              </a:ext>
+            </a:extLst>
+          </p:cNvPr>
+          <p:cNvSpPr/>
+          <p:nvPr/>
+        </p:nvSpPr>
+        <p:spPr>
+          <a:xfrm>
+            <a:off x="3800386" y="3576056"/>
+            <a:ext cx="846186" cy="637448"/>
+          </a:xfrm>
+          <a:prstGeom prst="roundRect">
+            <a:avLst>
+              <a:gd name="adj" fmla="val 11578"/>
+            </a:avLst>
+          </a:prstGeom>
+          <a:noFill/>
+        </p:spPr>
+        <p:style>
+          <a:lnRef idx="2">
+            <a:schemeClr val="dk1"/>
+          </a:lnRef>
+          <a:fillRef idx="1">
+            <a:schemeClr val="lt1"/>
+          </a:fillRef>
+          <a:effectRef idx="0">
+            <a:schemeClr val="dk1"/>
+          </a:effectRef>
+          <a:fontRef idx="minor">
+            <a:schemeClr val="dk1"/>
+          </a:fontRef>
+        </p:style>
+        <p:txBody>
+          <a:bodyPr rtlCol="0" anchor="ctr"/>
+          <a:lstStyle/>
+          <a:p>
+            <a:pPr algn="ctr"/>
+            <a:r>
+              <a:rPr lang="en-US" altLang="ko-KR" sz="1200"/>
+              <a:t>Master Node 01</a:t>
+            </a:r>
+            <a:endParaRPr lang="en-US" altLang="ko-KR" sz="1200" dirty="0"/>
+          </a:p>
+        </p:txBody>
+      </p:sp>
+      <p:sp>
+        <p:nvSpPr>
+          <p:cNvPr id="52" name="모서리가 둥근 직사각형 13">
+            <a:extLst>
+              <a:ext uri="{FF2B5EF4-FFF2-40B4-BE49-F238E27FC236}">
+                <a16:creationId xmlns:a16="http://schemas.microsoft.com/office/drawing/2014/main" id="{17C6A93D-E602-45CF-A76D-9437EE235B1F}"/>
+              </a:ext>
+            </a:extLst>
+          </p:cNvPr>
+          <p:cNvSpPr/>
+          <p:nvPr/>
+        </p:nvSpPr>
+        <p:spPr>
+          <a:xfrm>
+            <a:off x="2726376" y="483522"/>
+            <a:ext cx="6022088" cy="2088228"/>
+          </a:xfrm>
+          <a:prstGeom prst="roundRect">
+            <a:avLst>
+              <a:gd name="adj" fmla="val 4192"/>
+            </a:avLst>
+          </a:prstGeom>
+          <a:noFill/>
+          <a:ln>
+            <a:prstDash val="dash"/>
+          </a:ln>
+        </p:spPr>
+        <p:style>
+          <a:lnRef idx="2">
+            <a:schemeClr val="dk1"/>
+          </a:lnRef>
+          <a:fillRef idx="1">
+            <a:schemeClr val="lt1"/>
+          </a:fillRef>
+          <a:effectRef idx="0">
+            <a:schemeClr val="dk1"/>
+          </a:effectRef>
+          <a:fontRef idx="minor">
+            <a:schemeClr val="dk1"/>
+          </a:fontRef>
+        </p:style>
+        <p:txBody>
+          <a:bodyPr rtlCol="0" anchor="t"/>
+          <a:lstStyle/>
+          <a:p>
+            <a:pPr algn="ctr"/>
+            <a:r>
+              <a:rPr lang="en-US" altLang="ko-KR" sz="1200" b="1"/>
+              <a:t>ClusterAPI User K8s Cluster A</a:t>
+            </a:r>
+          </a:p>
+        </p:txBody>
+      </p:sp>
+      <p:sp>
+        <p:nvSpPr>
+          <p:cNvPr id="54" name="모서리가 둥근 직사각형 47">
+            <a:extLst>
+              <a:ext uri="{FF2B5EF4-FFF2-40B4-BE49-F238E27FC236}">
+                <a16:creationId xmlns:a16="http://schemas.microsoft.com/office/drawing/2014/main" id="{649BB709-0429-42D4-B166-C5D1CAFE4BA9}"/>
+              </a:ext>
+            </a:extLst>
+          </p:cNvPr>
+          <p:cNvSpPr/>
+          <p:nvPr/>
+        </p:nvSpPr>
+        <p:spPr>
+          <a:xfrm>
+            <a:off x="4809300" y="3564475"/>
+            <a:ext cx="846186" cy="637448"/>
+          </a:xfrm>
+          <a:prstGeom prst="roundRect">
+            <a:avLst>
+              <a:gd name="adj" fmla="val 11578"/>
+            </a:avLst>
+          </a:prstGeom>
+          <a:noFill/>
+        </p:spPr>
+        <p:style>
+          <a:lnRef idx="2">
+            <a:schemeClr val="dk1"/>
+          </a:lnRef>
+          <a:fillRef idx="1">
+            <a:schemeClr val="lt1"/>
+          </a:fillRef>
+          <a:effectRef idx="0">
+            <a:schemeClr val="dk1"/>
+          </a:effectRef>
+          <a:fontRef idx="minor">
+            <a:schemeClr val="dk1"/>
+          </a:fontRef>
+        </p:style>
+        <p:txBody>
+          <a:bodyPr rtlCol="0" anchor="ctr"/>
+          <a:lstStyle/>
+          <a:p>
+            <a:pPr algn="ctr"/>
+            <a:r>
+              <a:rPr lang="en-US" altLang="ko-KR" sz="1200"/>
+              <a:t>Master Node 02</a:t>
+            </a:r>
+            <a:endParaRPr lang="en-US" altLang="ko-KR" sz="1200" dirty="0"/>
+          </a:p>
+        </p:txBody>
+      </p:sp>
+      <p:sp>
+        <p:nvSpPr>
+          <p:cNvPr id="55" name="모서리가 둥근 직사각형 47">
+            <a:extLst>
+              <a:ext uri="{FF2B5EF4-FFF2-40B4-BE49-F238E27FC236}">
+                <a16:creationId xmlns:a16="http://schemas.microsoft.com/office/drawing/2014/main" id="{3F731798-A34A-48D0-9A89-837A5A82B1E3}"/>
+              </a:ext>
+            </a:extLst>
+          </p:cNvPr>
+          <p:cNvSpPr/>
+          <p:nvPr/>
+        </p:nvSpPr>
+        <p:spPr>
+          <a:xfrm>
+            <a:off x="4030675" y="3094742"/>
+            <a:ext cx="1403208" cy="370916"/>
+          </a:xfrm>
+          <a:prstGeom prst="roundRect">
+            <a:avLst>
+              <a:gd name="adj" fmla="val 11578"/>
+            </a:avLst>
+          </a:prstGeom>
+          <a:noFill/>
+        </p:spPr>
+        <p:style>
+          <a:lnRef idx="2">
+            <a:schemeClr val="dk1"/>
+          </a:lnRef>
+          <a:fillRef idx="1">
+            <a:schemeClr val="lt1"/>
+          </a:fillRef>
+          <a:effectRef idx="0">
+            <a:schemeClr val="dk1"/>
+          </a:effectRef>
+          <a:fontRef idx="minor">
+            <a:schemeClr val="dk1"/>
+          </a:fontRef>
+        </p:style>
+        <p:txBody>
+          <a:bodyPr rtlCol="0" anchor="ctr"/>
+          <a:lstStyle/>
+          <a:p>
+            <a:pPr algn="ctr"/>
+            <a:r>
+              <a:rPr lang="en-US" altLang="ko-KR" sz="1200"/>
+              <a:t>Load Balancer 01</a:t>
+            </a:r>
+            <a:endParaRPr lang="en-US" altLang="ko-KR" sz="1200" dirty="0"/>
+          </a:p>
+        </p:txBody>
+      </p:sp>
+      <p:sp>
+        <p:nvSpPr>
+          <p:cNvPr id="66" name="모서리가 둥근 직사각형 47">
+            <a:extLst>
+              <a:ext uri="{FF2B5EF4-FFF2-40B4-BE49-F238E27FC236}">
+                <a16:creationId xmlns:a16="http://schemas.microsoft.com/office/drawing/2014/main" id="{E2081688-C62C-480B-9FB8-4F91C4A6B375}"/>
+              </a:ext>
+            </a:extLst>
+          </p:cNvPr>
+          <p:cNvSpPr/>
+          <p:nvPr/>
+        </p:nvSpPr>
+        <p:spPr>
+          <a:xfrm>
+            <a:off x="6044235" y="3099099"/>
+            <a:ext cx="1403208" cy="370916"/>
+          </a:xfrm>
+          <a:prstGeom prst="roundRect">
+            <a:avLst>
+              <a:gd name="adj" fmla="val 11578"/>
+            </a:avLst>
+          </a:prstGeom>
+          <a:noFill/>
+        </p:spPr>
+        <p:style>
+          <a:lnRef idx="2">
+            <a:schemeClr val="dk1"/>
+          </a:lnRef>
+          <a:fillRef idx="1">
+            <a:schemeClr val="lt1"/>
+          </a:fillRef>
+          <a:effectRef idx="0">
+            <a:schemeClr val="dk1"/>
+          </a:effectRef>
+          <a:fontRef idx="minor">
+            <a:schemeClr val="dk1"/>
+          </a:fontRef>
+        </p:style>
+        <p:txBody>
+          <a:bodyPr rtlCol="0" anchor="ctr"/>
+          <a:lstStyle/>
+          <a:p>
+            <a:pPr algn="ctr"/>
+            <a:r>
+              <a:rPr lang="en-US" altLang="ko-KR" sz="1200"/>
+              <a:t>Load Balancer 02</a:t>
+            </a:r>
+            <a:endParaRPr lang="en-US" altLang="ko-KR" sz="1200" dirty="0"/>
+          </a:p>
+        </p:txBody>
+      </p:sp>
+      <p:sp>
+        <p:nvSpPr>
+          <p:cNvPr id="71" name="모서리가 둥근 직사각형 47">
+            <a:extLst>
+              <a:ext uri="{FF2B5EF4-FFF2-40B4-BE49-F238E27FC236}">
+                <a16:creationId xmlns:a16="http://schemas.microsoft.com/office/drawing/2014/main" id="{FD18ACB5-5919-4ACB-8375-36AFE23344EC}"/>
+              </a:ext>
+            </a:extLst>
+          </p:cNvPr>
+          <p:cNvSpPr/>
+          <p:nvPr/>
+        </p:nvSpPr>
+        <p:spPr>
+          <a:xfrm>
+            <a:off x="5110797" y="4462756"/>
+            <a:ext cx="1251828" cy="307016"/>
+          </a:xfrm>
+          <a:prstGeom prst="roundRect">
+            <a:avLst>
+              <a:gd name="adj" fmla="val 11578"/>
+            </a:avLst>
+          </a:prstGeom>
+          <a:noFill/>
+          <a:ln>
+            <a:solidFill>
+              <a:schemeClr val="tx2"/>
+            </a:solidFill>
+          </a:ln>
+        </p:spPr>
+        <p:style>
+          <a:lnRef idx="2">
+            <a:schemeClr val="dk1"/>
+          </a:lnRef>
+          <a:fillRef idx="1">
+            <a:schemeClr val="lt1"/>
+          </a:fillRef>
+          <a:effectRef idx="0">
+            <a:schemeClr val="dk1"/>
+          </a:effectRef>
+          <a:fontRef idx="minor">
+            <a:schemeClr val="dk1"/>
+          </a:fontRef>
+        </p:style>
+        <p:txBody>
+          <a:bodyPr rtlCol="0" anchor="ctr"/>
+          <a:lstStyle/>
+          <a:p>
+            <a:pPr algn="ctr"/>
+            <a:r>
+              <a:rPr lang="en-US" altLang="ko-KR" sz="1100"/>
+              <a:t>Cluster (Tenant) Network</a:t>
+            </a:r>
+          </a:p>
+        </p:txBody>
+      </p:sp>
+      <p:cxnSp>
+        <p:nvCxnSpPr>
+          <p:cNvPr id="72" name="직선 연결선 71">
+            <a:extLst>
+              <a:ext uri="{FF2B5EF4-FFF2-40B4-BE49-F238E27FC236}">
+                <a16:creationId xmlns:a16="http://schemas.microsoft.com/office/drawing/2014/main" id="{77C635BA-5864-4B3E-9E08-E3D6A7EA3191}"/>
+              </a:ext>
+            </a:extLst>
+          </p:cNvPr>
+          <p:cNvCxnSpPr>
+            <a:cxnSpLocks/>
+            <a:stCxn id="169" idx="3"/>
+          </p:cNvCxnSpPr>
+          <p:nvPr/>
+        </p:nvCxnSpPr>
+        <p:spPr>
+          <a:xfrm>
+            <a:off x="2661711" y="4329412"/>
+            <a:ext cx="5597420" cy="0"/>
+          </a:xfrm>
+          <a:prstGeom prst="line">
+            <a:avLst/>
+          </a:prstGeom>
+          <a:ln w="28575">
+            <a:solidFill>
+              <a:schemeClr val="tx2"/>
+            </a:solidFill>
+          </a:ln>
+        </p:spPr>
+        <p:style>
+          <a:lnRef idx="1">
+            <a:schemeClr val="accent1"/>
+          </a:lnRef>
+          <a:fillRef idx="0">
+            <a:schemeClr val="accent1"/>
+          </a:fillRef>
+          <a:effectRef idx="0">
+            <a:schemeClr val="accent1"/>
+          </a:effectRef>
+          <a:fontRef idx="minor">
+            <a:schemeClr val="tx1"/>
+          </a:fontRef>
+        </p:style>
+      </p:cxnSp>
+      <p:cxnSp>
+        <p:nvCxnSpPr>
+          <p:cNvPr id="74" name="직선 연결선 73">
+            <a:extLst>
+              <a:ext uri="{FF2B5EF4-FFF2-40B4-BE49-F238E27FC236}">
+                <a16:creationId xmlns:a16="http://schemas.microsoft.com/office/drawing/2014/main" id="{C8694FEC-F72A-4E7C-A210-C0469420D502}"/>
+              </a:ext>
+            </a:extLst>
+          </p:cNvPr>
+          <p:cNvCxnSpPr>
+            <a:cxnSpLocks/>
+            <a:stCxn id="42" idx="2"/>
+          </p:cNvCxnSpPr>
+          <p:nvPr/>
+        </p:nvCxnSpPr>
+        <p:spPr>
+          <a:xfrm>
+            <a:off x="3214565" y="4213504"/>
+            <a:ext cx="0" cy="115908"/>
+          </a:xfrm>
+          <a:prstGeom prst="line">
+            <a:avLst/>
+          </a:prstGeom>
+          <a:ln w="28575">
+            <a:solidFill>
+              <a:schemeClr val="tx2"/>
+            </a:solidFill>
+          </a:ln>
+        </p:spPr>
+        <p:style>
+          <a:lnRef idx="1">
+            <a:schemeClr val="accent1"/>
+          </a:lnRef>
+          <a:fillRef idx="0">
+            <a:schemeClr val="accent1"/>
+          </a:fillRef>
+          <a:effectRef idx="0">
+            <a:schemeClr val="accent1"/>
+          </a:effectRef>
+          <a:fontRef idx="minor">
+            <a:schemeClr val="tx1"/>
+          </a:fontRef>
+        </p:style>
+      </p:cxnSp>
+      <p:cxnSp>
+        <p:nvCxnSpPr>
+          <p:cNvPr id="75" name="직선 연결선 74">
+            <a:extLst>
+              <a:ext uri="{FF2B5EF4-FFF2-40B4-BE49-F238E27FC236}">
+                <a16:creationId xmlns:a16="http://schemas.microsoft.com/office/drawing/2014/main" id="{2F74427E-66A1-4DFC-9108-B6CCB671D74F}"/>
+              </a:ext>
+            </a:extLst>
+          </p:cNvPr>
+          <p:cNvCxnSpPr>
+            <a:cxnSpLocks/>
+            <a:stCxn id="51" idx="2"/>
+          </p:cNvCxnSpPr>
+          <p:nvPr/>
+        </p:nvCxnSpPr>
+        <p:spPr>
+          <a:xfrm>
+            <a:off x="4223479" y="4213504"/>
+            <a:ext cx="0" cy="115908"/>
+          </a:xfrm>
+          <a:prstGeom prst="line">
+            <a:avLst/>
+          </a:prstGeom>
+          <a:ln w="28575">
+            <a:solidFill>
+              <a:schemeClr val="tx2"/>
+            </a:solidFill>
+          </a:ln>
+        </p:spPr>
+        <p:style>
+          <a:lnRef idx="1">
+            <a:schemeClr val="accent1"/>
+          </a:lnRef>
+          <a:fillRef idx="0">
+            <a:schemeClr val="accent1"/>
+          </a:fillRef>
+          <a:effectRef idx="0">
+            <a:schemeClr val="accent1"/>
+          </a:effectRef>
+          <a:fontRef idx="minor">
+            <a:schemeClr val="tx1"/>
+          </a:fontRef>
+        </p:style>
+      </p:cxnSp>
+      <p:cxnSp>
+        <p:nvCxnSpPr>
+          <p:cNvPr id="76" name="직선 연결선 75">
+            <a:extLst>
+              <a:ext uri="{FF2B5EF4-FFF2-40B4-BE49-F238E27FC236}">
+                <a16:creationId xmlns:a16="http://schemas.microsoft.com/office/drawing/2014/main" id="{607351E9-A39E-47E5-BED9-A8B95637E6B0}"/>
+              </a:ext>
+            </a:extLst>
+          </p:cNvPr>
+          <p:cNvCxnSpPr>
+            <a:cxnSpLocks/>
+            <a:stCxn id="54" idx="2"/>
+          </p:cNvCxnSpPr>
+          <p:nvPr/>
+        </p:nvCxnSpPr>
+        <p:spPr>
+          <a:xfrm>
+            <a:off x="5232393" y="4201923"/>
+            <a:ext cx="0" cy="127489"/>
+          </a:xfrm>
+          <a:prstGeom prst="line">
+            <a:avLst/>
+          </a:prstGeom>
+          <a:ln w="28575">
+            <a:solidFill>
+              <a:schemeClr val="tx2"/>
+            </a:solidFill>
+          </a:ln>
+        </p:spPr>
+        <p:style>
+          <a:lnRef idx="1">
+            <a:schemeClr val="accent1"/>
+          </a:lnRef>
+          <a:fillRef idx="0">
+            <a:schemeClr val="accent1"/>
+          </a:fillRef>
+          <a:effectRef idx="0">
+            <a:schemeClr val="accent1"/>
+          </a:effectRef>
+          <a:fontRef idx="minor">
+            <a:schemeClr val="tx1"/>
+          </a:fontRef>
+        </p:style>
+      </p:cxnSp>
+      <p:cxnSp>
+        <p:nvCxnSpPr>
+          <p:cNvPr id="79" name="직선 연결선 78">
+            <a:extLst>
+              <a:ext uri="{FF2B5EF4-FFF2-40B4-BE49-F238E27FC236}">
+                <a16:creationId xmlns:a16="http://schemas.microsoft.com/office/drawing/2014/main" id="{9CA7D211-A3DF-4ACB-8076-97D481FF926E}"/>
+              </a:ext>
+            </a:extLst>
+          </p:cNvPr>
+          <p:cNvCxnSpPr>
+            <a:cxnSpLocks/>
+          </p:cNvCxnSpPr>
+          <p:nvPr/>
+        </p:nvCxnSpPr>
+        <p:spPr>
+          <a:xfrm>
+            <a:off x="6243926" y="4213504"/>
+            <a:ext cx="0" cy="115908"/>
+          </a:xfrm>
+          <a:prstGeom prst="line">
+            <a:avLst/>
+          </a:prstGeom>
+          <a:ln w="28575">
+            <a:solidFill>
+              <a:schemeClr val="tx2"/>
+            </a:solidFill>
+          </a:ln>
+        </p:spPr>
+        <p:style>
+          <a:lnRef idx="1">
+            <a:schemeClr val="accent1"/>
+          </a:lnRef>
+          <a:fillRef idx="0">
+            <a:schemeClr val="accent1"/>
+          </a:fillRef>
+          <a:effectRef idx="0">
+            <a:schemeClr val="accent1"/>
+          </a:effectRef>
+          <a:fontRef idx="minor">
+            <a:schemeClr val="tx1"/>
+          </a:fontRef>
+        </p:style>
+      </p:cxnSp>
+      <p:cxnSp>
+        <p:nvCxnSpPr>
+          <p:cNvPr id="80" name="직선 연결선 79">
+            <a:extLst>
+              <a:ext uri="{FF2B5EF4-FFF2-40B4-BE49-F238E27FC236}">
+                <a16:creationId xmlns:a16="http://schemas.microsoft.com/office/drawing/2014/main" id="{2277B61F-F10A-4133-8710-5389441F82F4}"/>
+              </a:ext>
+            </a:extLst>
+          </p:cNvPr>
+          <p:cNvCxnSpPr>
+            <a:cxnSpLocks/>
+            <a:stCxn id="41" idx="2"/>
+          </p:cNvCxnSpPr>
+          <p:nvPr/>
+        </p:nvCxnSpPr>
+        <p:spPr>
+          <a:xfrm>
+            <a:off x="7250219" y="4201923"/>
+            <a:ext cx="0" cy="127489"/>
+          </a:xfrm>
+          <a:prstGeom prst="line">
+            <a:avLst/>
+          </a:prstGeom>
+          <a:ln w="28575">
+            <a:solidFill>
+              <a:schemeClr val="tx2"/>
+            </a:solidFill>
+          </a:ln>
+        </p:spPr>
+        <p:style>
+          <a:lnRef idx="1">
+            <a:schemeClr val="accent1"/>
+          </a:lnRef>
+          <a:fillRef idx="0">
+            <a:schemeClr val="accent1"/>
+          </a:fillRef>
+          <a:effectRef idx="0">
+            <a:schemeClr val="accent1"/>
+          </a:effectRef>
+          <a:fontRef idx="minor">
+            <a:schemeClr val="tx1"/>
+          </a:fontRef>
+        </p:style>
+      </p:cxnSp>
+      <p:cxnSp>
+        <p:nvCxnSpPr>
+          <p:cNvPr id="83" name="직선 연결선 82">
+            <a:extLst>
+              <a:ext uri="{FF2B5EF4-FFF2-40B4-BE49-F238E27FC236}">
+                <a16:creationId xmlns:a16="http://schemas.microsoft.com/office/drawing/2014/main" id="{CF2C2E3E-2AD3-4D5A-A202-1C6060D63D08}"/>
+              </a:ext>
+            </a:extLst>
+          </p:cNvPr>
+          <p:cNvCxnSpPr>
+            <a:cxnSpLocks/>
+            <a:stCxn id="71" idx="0"/>
+          </p:cNvCxnSpPr>
+          <p:nvPr/>
+        </p:nvCxnSpPr>
+        <p:spPr>
+          <a:xfrm flipV="1">
+            <a:off x="5736711" y="4329414"/>
+            <a:ext cx="0" cy="133342"/>
+          </a:xfrm>
+          <a:prstGeom prst="line">
+            <a:avLst/>
+          </a:prstGeom>
+          <a:ln w="28575">
+            <a:solidFill>
+              <a:schemeClr val="tx2"/>
+            </a:solidFill>
+          </a:ln>
+        </p:spPr>
+        <p:style>
+          <a:lnRef idx="1">
+            <a:schemeClr val="accent1"/>
+          </a:lnRef>
+          <a:fillRef idx="0">
+            <a:schemeClr val="accent1"/>
+          </a:fillRef>
+          <a:effectRef idx="0">
+            <a:schemeClr val="accent1"/>
+          </a:effectRef>
+          <a:fontRef idx="minor">
+            <a:schemeClr val="tx1"/>
+          </a:fontRef>
+        </p:style>
+      </p:cxnSp>
+      <p:sp>
+        <p:nvSpPr>
+          <p:cNvPr id="39" name="모서리가 둥근 직사각형 47">
+            <a:extLst>
+              <a:ext uri="{FF2B5EF4-FFF2-40B4-BE49-F238E27FC236}">
+                <a16:creationId xmlns:a16="http://schemas.microsoft.com/office/drawing/2014/main" id="{3FE8E6C7-D7E8-48B9-AFAB-0ECCD61B7C3D}"/>
+              </a:ext>
+            </a:extLst>
+          </p:cNvPr>
+          <p:cNvSpPr/>
+          <p:nvPr/>
+        </p:nvSpPr>
+        <p:spPr>
+          <a:xfrm>
+            <a:off x="5818213" y="3564475"/>
+            <a:ext cx="846186" cy="637448"/>
+          </a:xfrm>
+          <a:prstGeom prst="roundRect">
+            <a:avLst>
+              <a:gd name="adj" fmla="val 11578"/>
+            </a:avLst>
+          </a:prstGeom>
+          <a:noFill/>
+        </p:spPr>
+        <p:style>
+          <a:lnRef idx="2">
+            <a:schemeClr val="dk1"/>
+          </a:lnRef>
+          <a:fillRef idx="1">
+            <a:schemeClr val="lt1"/>
+          </a:fillRef>
+          <a:effectRef idx="0">
+            <a:schemeClr val="dk1"/>
+          </a:effectRef>
+          <a:fontRef idx="minor">
+            <a:schemeClr val="dk1"/>
+          </a:fontRef>
+        </p:style>
+        <p:txBody>
+          <a:bodyPr rtlCol="0" anchor="ctr"/>
+          <a:lstStyle/>
+          <a:p>
+            <a:pPr algn="ctr"/>
+            <a:r>
+              <a:rPr lang="en-US" altLang="ko-KR" sz="1200"/>
+              <a:t>Master Node 03</a:t>
+            </a:r>
+            <a:endParaRPr lang="en-US" altLang="ko-KR" sz="1200" dirty="0"/>
+          </a:p>
+        </p:txBody>
+      </p:sp>
+      <p:sp>
+        <p:nvSpPr>
+          <p:cNvPr id="41" name="모서리가 둥근 직사각형 47">
+            <a:extLst>
+              <a:ext uri="{FF2B5EF4-FFF2-40B4-BE49-F238E27FC236}">
+                <a16:creationId xmlns:a16="http://schemas.microsoft.com/office/drawing/2014/main" id="{C4773818-1A9A-4256-B22D-CC61E619B495}"/>
+              </a:ext>
+            </a:extLst>
+          </p:cNvPr>
+          <p:cNvSpPr/>
+          <p:nvPr/>
+        </p:nvSpPr>
+        <p:spPr>
+          <a:xfrm>
+            <a:off x="6827125" y="3564475"/>
+            <a:ext cx="846186" cy="637448"/>
+          </a:xfrm>
+          <a:prstGeom prst="roundRect">
+            <a:avLst>
+              <a:gd name="adj" fmla="val 11578"/>
+            </a:avLst>
+          </a:prstGeom>
+          <a:noFill/>
+        </p:spPr>
+        <p:style>
+          <a:lnRef idx="2">
+            <a:schemeClr val="dk1"/>
+          </a:lnRef>
+          <a:fillRef idx="1">
+            <a:schemeClr val="lt1"/>
+          </a:fillRef>
+          <a:effectRef idx="0">
+            <a:schemeClr val="dk1"/>
+          </a:effectRef>
+          <a:fontRef idx="minor">
+            <a:schemeClr val="dk1"/>
+          </a:fontRef>
+        </p:style>
+        <p:txBody>
+          <a:bodyPr rtlCol="0" anchor="ctr"/>
+          <a:lstStyle/>
+          <a:p>
+            <a:pPr algn="ctr"/>
+            <a:r>
+              <a:rPr lang="en-US" altLang="ko-KR" sz="1200"/>
+              <a:t>Worker Node 01</a:t>
+            </a:r>
+            <a:endParaRPr lang="en-US" altLang="ko-KR" sz="1200" dirty="0"/>
+          </a:p>
+        </p:txBody>
+      </p:sp>
+      <p:sp>
+        <p:nvSpPr>
+          <p:cNvPr id="43" name="모서리가 둥근 직사각형 47">
+            <a:extLst>
+              <a:ext uri="{FF2B5EF4-FFF2-40B4-BE49-F238E27FC236}">
+                <a16:creationId xmlns:a16="http://schemas.microsoft.com/office/drawing/2014/main" id="{126A8C50-1BCB-47D6-A534-53A2F71BCFB4}"/>
+              </a:ext>
+            </a:extLst>
+          </p:cNvPr>
+          <p:cNvSpPr/>
+          <p:nvPr/>
+        </p:nvSpPr>
+        <p:spPr>
+          <a:xfrm>
+            <a:off x="7836038" y="3564475"/>
+            <a:ext cx="846186" cy="637448"/>
+          </a:xfrm>
+          <a:prstGeom prst="roundRect">
+            <a:avLst>
+              <a:gd name="adj" fmla="val 11578"/>
+            </a:avLst>
+          </a:prstGeom>
+          <a:noFill/>
+        </p:spPr>
+        <p:style>
+          <a:lnRef idx="2">
+            <a:schemeClr val="dk1"/>
+          </a:lnRef>
+          <a:fillRef idx="1">
+            <a:schemeClr val="lt1"/>
+          </a:fillRef>
+          <a:effectRef idx="0">
+            <a:schemeClr val="dk1"/>
+          </a:effectRef>
+          <a:fontRef idx="minor">
+            <a:schemeClr val="dk1"/>
+          </a:fontRef>
+        </p:style>
+        <p:txBody>
+          <a:bodyPr rtlCol="0" anchor="ctr"/>
+          <a:lstStyle/>
+          <a:p>
+            <a:pPr algn="ctr"/>
+            <a:r>
+              <a:rPr lang="en-US" altLang="ko-KR" sz="1200"/>
+              <a:t>Worker Node 02</a:t>
+            </a:r>
+            <a:endParaRPr lang="en-US" altLang="ko-KR" sz="1200" dirty="0"/>
+          </a:p>
+        </p:txBody>
+      </p:sp>
+      <p:cxnSp>
+        <p:nvCxnSpPr>
+          <p:cNvPr id="47" name="직선 연결선 46">
+            <a:extLst>
+              <a:ext uri="{FF2B5EF4-FFF2-40B4-BE49-F238E27FC236}">
+                <a16:creationId xmlns:a16="http://schemas.microsoft.com/office/drawing/2014/main" id="{0787F075-15E4-4D44-B6AE-E3571FEFF1AA}"/>
+              </a:ext>
+            </a:extLst>
+          </p:cNvPr>
+          <p:cNvCxnSpPr>
+            <a:cxnSpLocks/>
+            <a:stCxn id="43" idx="2"/>
+          </p:cNvCxnSpPr>
+          <p:nvPr/>
+        </p:nvCxnSpPr>
+        <p:spPr>
+          <a:xfrm>
+            <a:off x="8259132" y="4201923"/>
+            <a:ext cx="0" cy="127489"/>
+          </a:xfrm>
+          <a:prstGeom prst="line">
+            <a:avLst/>
+          </a:prstGeom>
+          <a:ln w="28575">
+            <a:solidFill>
+              <a:schemeClr val="tx2"/>
+            </a:solidFill>
+          </a:ln>
+        </p:spPr>
+        <p:style>
+          <a:lnRef idx="1">
+            <a:schemeClr val="accent1"/>
+          </a:lnRef>
+          <a:fillRef idx="0">
+            <a:schemeClr val="accent1"/>
+          </a:fillRef>
+          <a:effectRef idx="0">
+            <a:schemeClr val="accent1"/>
+          </a:effectRef>
+          <a:fontRef idx="minor">
+            <a:schemeClr val="tx1"/>
+          </a:fontRef>
+        </p:style>
+      </p:cxnSp>
+      <p:sp>
+        <p:nvSpPr>
+          <p:cNvPr id="86" name="모서리가 둥근 직사각형 47">
+            <a:extLst>
+              <a:ext uri="{FF2B5EF4-FFF2-40B4-BE49-F238E27FC236}">
+                <a16:creationId xmlns:a16="http://schemas.microsoft.com/office/drawing/2014/main" id="{3EF13990-9924-48FD-96F8-8391439028AC}"/>
+              </a:ext>
+            </a:extLst>
+          </p:cNvPr>
+          <p:cNvSpPr/>
+          <p:nvPr/>
+        </p:nvSpPr>
+        <p:spPr>
+          <a:xfrm>
+            <a:off x="2791472" y="1344218"/>
+            <a:ext cx="846186" cy="637448"/>
+          </a:xfrm>
+          <a:prstGeom prst="roundRect">
+            <a:avLst>
+              <a:gd name="adj" fmla="val 11578"/>
+            </a:avLst>
+          </a:prstGeom>
+          <a:noFill/>
+        </p:spPr>
+        <p:style>
+          <a:lnRef idx="2">
+            <a:schemeClr val="dk1"/>
+          </a:lnRef>
+          <a:fillRef idx="1">
+            <a:schemeClr val="lt1"/>
+          </a:fillRef>
+          <a:effectRef idx="0">
+            <a:schemeClr val="dk1"/>
+          </a:effectRef>
+          <a:fontRef idx="minor">
+            <a:schemeClr val="dk1"/>
+          </a:fontRef>
+        </p:style>
+        <p:txBody>
+          <a:bodyPr rtlCol="0" anchor="ctr"/>
+          <a:lstStyle/>
+          <a:p>
+            <a:pPr algn="ctr"/>
+            <a:r>
+              <a:rPr lang="en-US" altLang="ko-KR" sz="1200"/>
+              <a:t>Bastion Node</a:t>
+            </a:r>
+            <a:endParaRPr lang="en-US" altLang="ko-KR" sz="1200" dirty="0"/>
+          </a:p>
+        </p:txBody>
+      </p:sp>
+      <p:sp>
+        <p:nvSpPr>
+          <p:cNvPr id="88" name="모서리가 둥근 직사각형 47">
+            <a:extLst>
+              <a:ext uri="{FF2B5EF4-FFF2-40B4-BE49-F238E27FC236}">
+                <a16:creationId xmlns:a16="http://schemas.microsoft.com/office/drawing/2014/main" id="{B53C19FF-CCFD-4C2D-9C03-8DD60CA8FC10}"/>
+              </a:ext>
+            </a:extLst>
+          </p:cNvPr>
+          <p:cNvSpPr/>
+          <p:nvPr/>
+        </p:nvSpPr>
+        <p:spPr>
+          <a:xfrm>
+            <a:off x="3800386" y="1344218"/>
+            <a:ext cx="846186" cy="637448"/>
+          </a:xfrm>
+          <a:prstGeom prst="roundRect">
+            <a:avLst>
+              <a:gd name="adj" fmla="val 11578"/>
+            </a:avLst>
+          </a:prstGeom>
+          <a:noFill/>
+        </p:spPr>
+        <p:style>
+          <a:lnRef idx="2">
+            <a:schemeClr val="dk1"/>
+          </a:lnRef>
+          <a:fillRef idx="1">
+            <a:schemeClr val="lt1"/>
+          </a:fillRef>
+          <a:effectRef idx="0">
+            <a:schemeClr val="dk1"/>
+          </a:effectRef>
+          <a:fontRef idx="minor">
+            <a:schemeClr val="dk1"/>
+          </a:fontRef>
+        </p:style>
+        <p:txBody>
+          <a:bodyPr rtlCol="0" anchor="ctr"/>
+          <a:lstStyle/>
+          <a:p>
+            <a:pPr algn="ctr"/>
+            <a:r>
+              <a:rPr lang="en-US" altLang="ko-KR" sz="1200"/>
+              <a:t>Master Node 01</a:t>
+            </a:r>
+            <a:endParaRPr lang="en-US" altLang="ko-KR" sz="1200" dirty="0"/>
+          </a:p>
+        </p:txBody>
+      </p:sp>
+      <p:sp>
+        <p:nvSpPr>
+          <p:cNvPr id="89" name="모서리가 둥근 직사각형 47">
+            <a:extLst>
+              <a:ext uri="{FF2B5EF4-FFF2-40B4-BE49-F238E27FC236}">
+                <a16:creationId xmlns:a16="http://schemas.microsoft.com/office/drawing/2014/main" id="{F206D76C-B9A3-4EA2-9531-4FBA6C92D4F6}"/>
+              </a:ext>
+            </a:extLst>
+          </p:cNvPr>
+          <p:cNvSpPr/>
+          <p:nvPr/>
+        </p:nvSpPr>
+        <p:spPr>
+          <a:xfrm>
+            <a:off x="4809300" y="1332637"/>
+            <a:ext cx="846186" cy="637448"/>
+          </a:xfrm>
+          <a:prstGeom prst="roundRect">
+            <a:avLst>
+              <a:gd name="adj" fmla="val 11578"/>
+            </a:avLst>
+          </a:prstGeom>
+          <a:noFill/>
+        </p:spPr>
+        <p:style>
+          <a:lnRef idx="2">
+            <a:schemeClr val="dk1"/>
+          </a:lnRef>
+          <a:fillRef idx="1">
+            <a:schemeClr val="lt1"/>
+          </a:fillRef>
+          <a:effectRef idx="0">
+            <a:schemeClr val="dk1"/>
+          </a:effectRef>
+          <a:fontRef idx="minor">
+            <a:schemeClr val="dk1"/>
+          </a:fontRef>
+        </p:style>
+        <p:txBody>
+          <a:bodyPr rtlCol="0" anchor="ctr"/>
+          <a:lstStyle/>
+          <a:p>
+            <a:pPr algn="ctr"/>
+            <a:r>
+              <a:rPr lang="en-US" altLang="ko-KR" sz="1200"/>
+              <a:t>Master Node 02</a:t>
+            </a:r>
+            <a:endParaRPr lang="en-US" altLang="ko-KR" sz="1200" dirty="0"/>
+          </a:p>
+        </p:txBody>
+      </p:sp>
+      <p:sp>
+        <p:nvSpPr>
+          <p:cNvPr id="99" name="모서리가 둥근 직사각형 47">
+            <a:extLst>
+              <a:ext uri="{FF2B5EF4-FFF2-40B4-BE49-F238E27FC236}">
+                <a16:creationId xmlns:a16="http://schemas.microsoft.com/office/drawing/2014/main" id="{3165C657-C564-4920-8CE3-1AE58ED878CC}"/>
+              </a:ext>
+            </a:extLst>
+          </p:cNvPr>
+          <p:cNvSpPr/>
+          <p:nvPr/>
+        </p:nvSpPr>
+        <p:spPr>
+          <a:xfrm>
+            <a:off x="5818213" y="1332637"/>
+            <a:ext cx="846186" cy="637448"/>
+          </a:xfrm>
+          <a:prstGeom prst="roundRect">
+            <a:avLst>
+              <a:gd name="adj" fmla="val 11578"/>
+            </a:avLst>
+          </a:prstGeom>
+          <a:noFill/>
+        </p:spPr>
+        <p:style>
+          <a:lnRef idx="2">
+            <a:schemeClr val="dk1"/>
+          </a:lnRef>
+          <a:fillRef idx="1">
+            <a:schemeClr val="lt1"/>
+          </a:fillRef>
+          <a:effectRef idx="0">
+            <a:schemeClr val="dk1"/>
+          </a:effectRef>
+          <a:fontRef idx="minor">
+            <a:schemeClr val="dk1"/>
+          </a:fontRef>
+        </p:style>
+        <p:txBody>
+          <a:bodyPr rtlCol="0" anchor="ctr"/>
+          <a:lstStyle/>
+          <a:p>
+            <a:pPr algn="ctr"/>
+            <a:r>
+              <a:rPr lang="en-US" altLang="ko-KR" sz="1200"/>
+              <a:t>Master Node 03</a:t>
+            </a:r>
+            <a:endParaRPr lang="en-US" altLang="ko-KR" sz="1200" dirty="0"/>
+          </a:p>
+        </p:txBody>
+      </p:sp>
+      <p:sp>
+        <p:nvSpPr>
+          <p:cNvPr id="100" name="모서리가 둥근 직사각형 47">
+            <a:extLst>
+              <a:ext uri="{FF2B5EF4-FFF2-40B4-BE49-F238E27FC236}">
+                <a16:creationId xmlns:a16="http://schemas.microsoft.com/office/drawing/2014/main" id="{587E882B-0433-4FD0-9B73-D060AF354CFE}"/>
+              </a:ext>
+            </a:extLst>
+          </p:cNvPr>
+          <p:cNvSpPr/>
+          <p:nvPr/>
+        </p:nvSpPr>
+        <p:spPr>
+          <a:xfrm>
+            <a:off x="6827125" y="1332637"/>
+            <a:ext cx="846186" cy="637448"/>
+          </a:xfrm>
+          <a:prstGeom prst="roundRect">
+            <a:avLst>
+              <a:gd name="adj" fmla="val 11578"/>
+            </a:avLst>
+          </a:prstGeom>
+          <a:noFill/>
+        </p:spPr>
+        <p:style>
+          <a:lnRef idx="2">
+            <a:schemeClr val="dk1"/>
+          </a:lnRef>
+          <a:fillRef idx="1">
+            <a:schemeClr val="lt1"/>
+          </a:fillRef>
+          <a:effectRef idx="0">
+            <a:schemeClr val="dk1"/>
+          </a:effectRef>
+          <a:fontRef idx="minor">
+            <a:schemeClr val="dk1"/>
+          </a:fontRef>
+        </p:style>
+        <p:txBody>
+          <a:bodyPr rtlCol="0" anchor="ctr"/>
+          <a:lstStyle/>
+          <a:p>
+            <a:pPr algn="ctr"/>
+            <a:r>
+              <a:rPr lang="en-US" altLang="ko-KR" sz="1200"/>
+              <a:t>Worker Node 01</a:t>
+            </a:r>
+            <a:endParaRPr lang="en-US" altLang="ko-KR" sz="1200" dirty="0"/>
+          </a:p>
+        </p:txBody>
+      </p:sp>
+      <p:sp>
+        <p:nvSpPr>
+          <p:cNvPr id="101" name="모서리가 둥근 직사각형 47">
+            <a:extLst>
+              <a:ext uri="{FF2B5EF4-FFF2-40B4-BE49-F238E27FC236}">
+                <a16:creationId xmlns:a16="http://schemas.microsoft.com/office/drawing/2014/main" id="{36D73B29-8B6C-41C2-A3A2-2585092E25EE}"/>
+              </a:ext>
+            </a:extLst>
+          </p:cNvPr>
+          <p:cNvSpPr/>
+          <p:nvPr/>
+        </p:nvSpPr>
+        <p:spPr>
+          <a:xfrm>
+            <a:off x="7836038" y="1332637"/>
+            <a:ext cx="846186" cy="637448"/>
+          </a:xfrm>
+          <a:prstGeom prst="roundRect">
+            <a:avLst>
+              <a:gd name="adj" fmla="val 11578"/>
+            </a:avLst>
+          </a:prstGeom>
+          <a:noFill/>
+        </p:spPr>
+        <p:style>
+          <a:lnRef idx="2">
+            <a:schemeClr val="dk1"/>
+          </a:lnRef>
+          <a:fillRef idx="1">
+            <a:schemeClr val="lt1"/>
+          </a:fillRef>
+          <a:effectRef idx="0">
+            <a:schemeClr val="dk1"/>
+          </a:effectRef>
+          <a:fontRef idx="minor">
+            <a:schemeClr val="dk1"/>
+          </a:fontRef>
+        </p:style>
+        <p:txBody>
+          <a:bodyPr rtlCol="0" anchor="ctr"/>
+          <a:lstStyle/>
+          <a:p>
+            <a:pPr algn="ctr"/>
+            <a:r>
+              <a:rPr lang="en-US" altLang="ko-KR" sz="1200"/>
+              <a:t>Worker Node 02</a:t>
+            </a:r>
+            <a:endParaRPr lang="en-US" altLang="ko-KR" sz="1200" dirty="0"/>
+          </a:p>
+        </p:txBody>
+      </p:sp>
+      <p:sp>
+        <p:nvSpPr>
+          <p:cNvPr id="103" name="모서리가 둥근 직사각형 13">
+            <a:extLst>
+              <a:ext uri="{FF2B5EF4-FFF2-40B4-BE49-F238E27FC236}">
+                <a16:creationId xmlns:a16="http://schemas.microsoft.com/office/drawing/2014/main" id="{F5256984-E77B-4952-BEC4-3A54D93331FC}"/>
+              </a:ext>
+            </a:extLst>
+          </p:cNvPr>
+          <p:cNvSpPr/>
+          <p:nvPr/>
+        </p:nvSpPr>
+        <p:spPr>
+          <a:xfrm>
+            <a:off x="2726376" y="3005384"/>
+            <a:ext cx="6022088" cy="2083592"/>
+          </a:xfrm>
+          <a:prstGeom prst="roundRect">
+            <a:avLst>
+              <a:gd name="adj" fmla="val 4192"/>
+            </a:avLst>
+          </a:prstGeom>
+          <a:noFill/>
+          <a:ln>
+            <a:prstDash val="dash"/>
+          </a:ln>
+        </p:spPr>
+        <p:style>
+          <a:lnRef idx="2">
+            <a:schemeClr val="dk1"/>
+          </a:lnRef>
+          <a:fillRef idx="1">
+            <a:schemeClr val="lt1"/>
+          </a:fillRef>
+          <a:effectRef idx="0">
+            <a:schemeClr val="dk1"/>
+          </a:effectRef>
+          <a:fontRef idx="minor">
+            <a:schemeClr val="dk1"/>
+          </a:fontRef>
+        </p:style>
+        <p:txBody>
+          <a:bodyPr rtlCol="0" anchor="b"/>
+          <a:lstStyle/>
+          <a:p>
+            <a:pPr algn="ctr"/>
+            <a:r>
+              <a:rPr lang="en-US" altLang="ko-KR" sz="1200" b="1"/>
+              <a:t>ClusterAPI User</a:t>
+            </a:r>
+            <a:r>
+              <a:rPr lang="ko-KR" altLang="en-US" sz="1200" b="1"/>
+              <a:t> </a:t>
+            </a:r>
+            <a:r>
+              <a:rPr lang="en-US" altLang="ko-KR" sz="1200" b="1"/>
+              <a:t>K8s Cluster B</a:t>
+            </a:r>
+          </a:p>
+        </p:txBody>
+      </p:sp>
+      <p:sp>
+        <p:nvSpPr>
+          <p:cNvPr id="104" name="모서리가 둥근 직사각형 47">
+            <a:extLst>
+              <a:ext uri="{FF2B5EF4-FFF2-40B4-BE49-F238E27FC236}">
+                <a16:creationId xmlns:a16="http://schemas.microsoft.com/office/drawing/2014/main" id="{E8F863B0-8D6A-48A0-8A4C-082F0CFB65F8}"/>
+              </a:ext>
+            </a:extLst>
+          </p:cNvPr>
+          <p:cNvSpPr/>
+          <p:nvPr/>
+        </p:nvSpPr>
+        <p:spPr>
+          <a:xfrm>
+            <a:off x="5110797" y="814240"/>
+            <a:ext cx="1251828" cy="307016"/>
+          </a:xfrm>
+          <a:prstGeom prst="roundRect">
+            <a:avLst>
+              <a:gd name="adj" fmla="val 11578"/>
+            </a:avLst>
+          </a:prstGeom>
+          <a:noFill/>
+          <a:ln>
+            <a:solidFill>
+              <a:schemeClr val="accent6">
+                <a:lumMod val="75000"/>
+              </a:schemeClr>
+            </a:solidFill>
+          </a:ln>
+        </p:spPr>
+        <p:style>
+          <a:lnRef idx="2">
+            <a:schemeClr val="dk1"/>
+          </a:lnRef>
+          <a:fillRef idx="1">
+            <a:schemeClr val="lt1"/>
+          </a:fillRef>
+          <a:effectRef idx="0">
+            <a:schemeClr val="dk1"/>
+          </a:effectRef>
+          <a:fontRef idx="minor">
+            <a:schemeClr val="dk1"/>
+          </a:fontRef>
+        </p:style>
+        <p:txBody>
+          <a:bodyPr rtlCol="0" anchor="ctr"/>
+          <a:lstStyle/>
+          <a:p>
+            <a:pPr algn="ctr"/>
+            <a:r>
+              <a:rPr lang="en-US" altLang="ko-KR" sz="1100"/>
+              <a:t>Cluster (Tenant) Network</a:t>
+            </a:r>
+          </a:p>
+        </p:txBody>
+      </p:sp>
+      <p:cxnSp>
+        <p:nvCxnSpPr>
+          <p:cNvPr id="105" name="직선 연결선 104">
+            <a:extLst>
+              <a:ext uri="{FF2B5EF4-FFF2-40B4-BE49-F238E27FC236}">
+                <a16:creationId xmlns:a16="http://schemas.microsoft.com/office/drawing/2014/main" id="{DC603AD2-2A8D-46A4-9D0C-D0F96EAB9EA5}"/>
+              </a:ext>
+            </a:extLst>
+          </p:cNvPr>
+          <p:cNvCxnSpPr>
+            <a:cxnSpLocks/>
+            <a:stCxn id="171" idx="3"/>
+          </p:cNvCxnSpPr>
+          <p:nvPr/>
+        </p:nvCxnSpPr>
+        <p:spPr>
+          <a:xfrm>
+            <a:off x="2661711" y="1210792"/>
+            <a:ext cx="5597420" cy="11268"/>
+          </a:xfrm>
+          <a:prstGeom prst="line">
+            <a:avLst/>
+          </a:prstGeom>
+          <a:ln w="28575">
+            <a:solidFill>
+              <a:schemeClr val="accent6">
+                <a:lumMod val="75000"/>
+              </a:schemeClr>
+            </a:solidFill>
+          </a:ln>
+        </p:spPr>
+        <p:style>
+          <a:lnRef idx="1">
+            <a:schemeClr val="accent1"/>
+          </a:lnRef>
+          <a:fillRef idx="0">
+            <a:schemeClr val="accent1"/>
+          </a:fillRef>
+          <a:effectRef idx="0">
+            <a:schemeClr val="accent1"/>
+          </a:effectRef>
+          <a:fontRef idx="minor">
+            <a:schemeClr val="tx1"/>
+          </a:fontRef>
+        </p:style>
+      </p:cxnSp>
+      <p:cxnSp>
+        <p:nvCxnSpPr>
+          <p:cNvPr id="107" name="직선 연결선 106">
+            <a:extLst>
+              <a:ext uri="{FF2B5EF4-FFF2-40B4-BE49-F238E27FC236}">
+                <a16:creationId xmlns:a16="http://schemas.microsoft.com/office/drawing/2014/main" id="{4A1EAA96-578F-4960-843A-86382E177E29}"/>
+              </a:ext>
+            </a:extLst>
+          </p:cNvPr>
+          <p:cNvCxnSpPr>
+            <a:cxnSpLocks/>
+          </p:cNvCxnSpPr>
+          <p:nvPr/>
+        </p:nvCxnSpPr>
+        <p:spPr>
+          <a:xfrm>
+            <a:off x="3214565" y="1209415"/>
+            <a:ext cx="0" cy="134803"/>
+          </a:xfrm>
+          <a:prstGeom prst="line">
+            <a:avLst/>
+          </a:prstGeom>
+          <a:ln w="28575">
+            <a:solidFill>
+              <a:schemeClr val="accent6">
+                <a:lumMod val="75000"/>
+              </a:schemeClr>
+            </a:solidFill>
+          </a:ln>
+        </p:spPr>
+        <p:style>
+          <a:lnRef idx="1">
+            <a:schemeClr val="accent1"/>
+          </a:lnRef>
+          <a:fillRef idx="0">
+            <a:schemeClr val="accent1"/>
+          </a:fillRef>
+          <a:effectRef idx="0">
+            <a:schemeClr val="accent1"/>
+          </a:effectRef>
+          <a:fontRef idx="minor">
+            <a:schemeClr val="tx1"/>
+          </a:fontRef>
+        </p:style>
+      </p:cxnSp>
+      <p:cxnSp>
+        <p:nvCxnSpPr>
+          <p:cNvPr id="108" name="직선 연결선 107">
+            <a:extLst>
+              <a:ext uri="{FF2B5EF4-FFF2-40B4-BE49-F238E27FC236}">
+                <a16:creationId xmlns:a16="http://schemas.microsoft.com/office/drawing/2014/main" id="{3B807DFF-80D5-420C-A769-FE1F547024EE}"/>
+              </a:ext>
+            </a:extLst>
+          </p:cNvPr>
+          <p:cNvCxnSpPr>
+            <a:cxnSpLocks/>
+          </p:cNvCxnSpPr>
+          <p:nvPr/>
+        </p:nvCxnSpPr>
+        <p:spPr>
+          <a:xfrm>
+            <a:off x="4223479" y="1209415"/>
+            <a:ext cx="0" cy="134803"/>
+          </a:xfrm>
+          <a:prstGeom prst="line">
+            <a:avLst/>
+          </a:prstGeom>
+          <a:ln w="28575">
+            <a:solidFill>
+              <a:schemeClr val="accent6">
+                <a:lumMod val="75000"/>
+              </a:schemeClr>
+            </a:solidFill>
+          </a:ln>
+        </p:spPr>
+        <p:style>
+          <a:lnRef idx="1">
+            <a:schemeClr val="accent1"/>
+          </a:lnRef>
+          <a:fillRef idx="0">
+            <a:schemeClr val="accent1"/>
+          </a:fillRef>
+          <a:effectRef idx="0">
+            <a:schemeClr val="accent1"/>
+          </a:effectRef>
+          <a:fontRef idx="minor">
+            <a:schemeClr val="tx1"/>
+          </a:fontRef>
+        </p:style>
+      </p:cxnSp>
+      <p:cxnSp>
+        <p:nvCxnSpPr>
+          <p:cNvPr id="109" name="직선 연결선 108">
+            <a:extLst>
+              <a:ext uri="{FF2B5EF4-FFF2-40B4-BE49-F238E27FC236}">
+                <a16:creationId xmlns:a16="http://schemas.microsoft.com/office/drawing/2014/main" id="{2C5EB4C0-EE87-49CC-B915-BC0BDB98DADF}"/>
+              </a:ext>
+            </a:extLst>
+          </p:cNvPr>
+          <p:cNvCxnSpPr>
+            <a:cxnSpLocks/>
+          </p:cNvCxnSpPr>
+          <p:nvPr/>
+        </p:nvCxnSpPr>
+        <p:spPr>
+          <a:xfrm>
+            <a:off x="5232393" y="1216729"/>
+            <a:ext cx="0" cy="127489"/>
+          </a:xfrm>
+          <a:prstGeom prst="line">
+            <a:avLst/>
+          </a:prstGeom>
+          <a:ln w="28575">
+            <a:solidFill>
+              <a:schemeClr val="accent6">
+                <a:lumMod val="75000"/>
+              </a:schemeClr>
+            </a:solidFill>
+          </a:ln>
+        </p:spPr>
+        <p:style>
+          <a:lnRef idx="1">
+            <a:schemeClr val="accent1"/>
+          </a:lnRef>
+          <a:fillRef idx="0">
+            <a:schemeClr val="accent1"/>
+          </a:fillRef>
+          <a:effectRef idx="0">
+            <a:schemeClr val="accent1"/>
+          </a:effectRef>
+          <a:fontRef idx="minor">
+            <a:schemeClr val="tx1"/>
+          </a:fontRef>
+        </p:style>
+      </p:cxnSp>
+      <p:cxnSp>
+        <p:nvCxnSpPr>
+          <p:cNvPr id="111" name="직선 연결선 110">
+            <a:extLst>
+              <a:ext uri="{FF2B5EF4-FFF2-40B4-BE49-F238E27FC236}">
+                <a16:creationId xmlns:a16="http://schemas.microsoft.com/office/drawing/2014/main" id="{D4F6EBFD-AEEA-4763-A692-6E679B35F2E0}"/>
+              </a:ext>
+            </a:extLst>
+          </p:cNvPr>
+          <p:cNvCxnSpPr>
+            <a:cxnSpLocks/>
+          </p:cNvCxnSpPr>
+          <p:nvPr/>
+        </p:nvCxnSpPr>
+        <p:spPr>
+          <a:xfrm>
+            <a:off x="6243926" y="1228310"/>
+            <a:ext cx="0" cy="115908"/>
+          </a:xfrm>
+          <a:prstGeom prst="line">
+            <a:avLst/>
+          </a:prstGeom>
+          <a:ln w="28575">
+            <a:solidFill>
+              <a:schemeClr val="accent6">
+                <a:lumMod val="75000"/>
+              </a:schemeClr>
+            </a:solidFill>
+          </a:ln>
+        </p:spPr>
+        <p:style>
+          <a:lnRef idx="1">
+            <a:schemeClr val="accent1"/>
+          </a:lnRef>
+          <a:fillRef idx="0">
+            <a:schemeClr val="accent1"/>
+          </a:fillRef>
+          <a:effectRef idx="0">
+            <a:schemeClr val="accent1"/>
+          </a:effectRef>
+          <a:fontRef idx="minor">
+            <a:schemeClr val="tx1"/>
+          </a:fontRef>
+        </p:style>
+      </p:cxnSp>
+      <p:cxnSp>
+        <p:nvCxnSpPr>
+          <p:cNvPr id="114" name="직선 연결선 113">
+            <a:extLst>
+              <a:ext uri="{FF2B5EF4-FFF2-40B4-BE49-F238E27FC236}">
+                <a16:creationId xmlns:a16="http://schemas.microsoft.com/office/drawing/2014/main" id="{77769833-2F6D-46BA-9575-C3997D4893D6}"/>
+              </a:ext>
+            </a:extLst>
+          </p:cNvPr>
+          <p:cNvCxnSpPr>
+            <a:cxnSpLocks/>
+          </p:cNvCxnSpPr>
+          <p:nvPr/>
+        </p:nvCxnSpPr>
+        <p:spPr>
+          <a:xfrm>
+            <a:off x="7250219" y="1216729"/>
+            <a:ext cx="0" cy="127489"/>
+          </a:xfrm>
+          <a:prstGeom prst="line">
+            <a:avLst/>
+          </a:prstGeom>
+          <a:ln w="28575">
+            <a:solidFill>
+              <a:schemeClr val="accent6">
+                <a:lumMod val="75000"/>
+              </a:schemeClr>
+            </a:solidFill>
+          </a:ln>
+        </p:spPr>
+        <p:style>
+          <a:lnRef idx="1">
+            <a:schemeClr val="accent1"/>
+          </a:lnRef>
+          <a:fillRef idx="0">
+            <a:schemeClr val="accent1"/>
+          </a:fillRef>
+          <a:effectRef idx="0">
+            <a:schemeClr val="accent1"/>
+          </a:effectRef>
+          <a:fontRef idx="minor">
+            <a:schemeClr val="tx1"/>
+          </a:fontRef>
+        </p:style>
+      </p:cxnSp>
+      <p:cxnSp>
+        <p:nvCxnSpPr>
+          <p:cNvPr id="116" name="직선 연결선 115">
+            <a:extLst>
+              <a:ext uri="{FF2B5EF4-FFF2-40B4-BE49-F238E27FC236}">
+                <a16:creationId xmlns:a16="http://schemas.microsoft.com/office/drawing/2014/main" id="{431F1389-9A44-44E6-A6E1-1A7A4A4E94DF}"/>
+              </a:ext>
+            </a:extLst>
+          </p:cNvPr>
+          <p:cNvCxnSpPr>
+            <a:cxnSpLocks/>
+          </p:cNvCxnSpPr>
+          <p:nvPr/>
+        </p:nvCxnSpPr>
+        <p:spPr>
+          <a:xfrm>
+            <a:off x="8259132" y="1216729"/>
+            <a:ext cx="0" cy="127489"/>
+          </a:xfrm>
+          <a:prstGeom prst="line">
+            <a:avLst/>
+          </a:prstGeom>
+          <a:ln w="28575">
+            <a:solidFill>
+              <a:schemeClr val="accent6">
+                <a:lumMod val="75000"/>
+              </a:schemeClr>
+            </a:solidFill>
+          </a:ln>
+        </p:spPr>
+        <p:style>
+          <a:lnRef idx="1">
+            <a:schemeClr val="accent1"/>
+          </a:lnRef>
+          <a:fillRef idx="0">
+            <a:schemeClr val="accent1"/>
+          </a:fillRef>
+          <a:effectRef idx="0">
+            <a:schemeClr val="accent1"/>
+          </a:effectRef>
+          <a:fontRef idx="minor">
+            <a:schemeClr val="tx1"/>
+          </a:fontRef>
+        </p:style>
+      </p:cxnSp>
+      <p:cxnSp>
+        <p:nvCxnSpPr>
+          <p:cNvPr id="117" name="직선 연결선 116">
+            <a:extLst>
+              <a:ext uri="{FF2B5EF4-FFF2-40B4-BE49-F238E27FC236}">
+                <a16:creationId xmlns:a16="http://schemas.microsoft.com/office/drawing/2014/main" id="{6E9AD840-D62B-4CE1-A385-C2398B430056}"/>
+              </a:ext>
+            </a:extLst>
+          </p:cNvPr>
+          <p:cNvCxnSpPr>
+            <a:cxnSpLocks/>
+            <a:endCxn id="104" idx="2"/>
+          </p:cNvCxnSpPr>
+          <p:nvPr/>
+        </p:nvCxnSpPr>
+        <p:spPr>
+          <a:xfrm flipV="1">
+            <a:off x="5736711" y="1121256"/>
+            <a:ext cx="0" cy="107944"/>
+          </a:xfrm>
+          <a:prstGeom prst="line">
+            <a:avLst/>
+          </a:prstGeom>
+          <a:ln w="28575">
+            <a:solidFill>
+              <a:schemeClr val="accent6">
+                <a:lumMod val="75000"/>
+              </a:schemeClr>
+            </a:solidFill>
+          </a:ln>
+        </p:spPr>
+        <p:style>
+          <a:lnRef idx="1">
+            <a:schemeClr val="accent1"/>
+          </a:lnRef>
+          <a:fillRef idx="0">
+            <a:schemeClr val="accent1"/>
+          </a:fillRef>
+          <a:effectRef idx="0">
+            <a:schemeClr val="accent1"/>
+          </a:effectRef>
+          <a:fontRef idx="minor">
+            <a:schemeClr val="tx1"/>
+          </a:fontRef>
+        </p:style>
+      </p:cxnSp>
+      <p:sp>
+        <p:nvSpPr>
+          <p:cNvPr id="118" name="모서리가 둥근 직사각형 46">
+            <a:extLst>
+              <a:ext uri="{FF2B5EF4-FFF2-40B4-BE49-F238E27FC236}">
+                <a16:creationId xmlns:a16="http://schemas.microsoft.com/office/drawing/2014/main" id="{76DEFEFD-57EA-49F5-BC6A-71F403F849AE}"/>
+              </a:ext>
+            </a:extLst>
+          </p:cNvPr>
+          <p:cNvSpPr/>
+          <p:nvPr/>
+        </p:nvSpPr>
+        <p:spPr>
+          <a:xfrm>
+            <a:off x="5090473" y="2626655"/>
+            <a:ext cx="1292478" cy="312058"/>
+          </a:xfrm>
+          <a:prstGeom prst="roundRect">
+            <a:avLst>
+              <a:gd name="adj" fmla="val 11578"/>
+            </a:avLst>
+          </a:prstGeom>
+          <a:solidFill>
+            <a:schemeClr val="bg1"/>
+          </a:solidFill>
+          <a:ln>
+            <a:solidFill>
+              <a:schemeClr val="accent3">
+                <a:lumMod val="50000"/>
+              </a:schemeClr>
+            </a:solidFill>
+          </a:ln>
+        </p:spPr>
+        <p:style>
+          <a:lnRef idx="2">
+            <a:schemeClr val="dk1"/>
+          </a:lnRef>
+          <a:fillRef idx="1">
+            <a:schemeClr val="lt1"/>
+          </a:fillRef>
+          <a:effectRef idx="0">
+            <a:schemeClr val="dk1"/>
+          </a:effectRef>
+          <a:fontRef idx="minor">
+            <a:schemeClr val="dk1"/>
+          </a:fontRef>
+        </p:style>
+        <p:txBody>
+          <a:bodyPr rtlCol="0" anchor="ctr"/>
+          <a:lstStyle/>
+          <a:p>
+            <a:pPr algn="ctr"/>
+            <a:r>
+              <a:rPr lang="en-US" altLang="ko-KR" sz="1100"/>
+              <a:t>Octavia Network</a:t>
+            </a:r>
+          </a:p>
+        </p:txBody>
+      </p:sp>
+      <p:cxnSp>
+        <p:nvCxnSpPr>
+          <p:cNvPr id="120" name="직선 연결선 119">
+            <a:extLst>
+              <a:ext uri="{FF2B5EF4-FFF2-40B4-BE49-F238E27FC236}">
+                <a16:creationId xmlns:a16="http://schemas.microsoft.com/office/drawing/2014/main" id="{0AEF60A1-E9DA-4569-861C-C1C7CE5B6077}"/>
+              </a:ext>
+            </a:extLst>
+          </p:cNvPr>
+          <p:cNvCxnSpPr>
+            <a:cxnSpLocks/>
+            <a:stCxn id="66" idx="0"/>
+            <a:endCxn id="152" idx="2"/>
+          </p:cNvCxnSpPr>
+          <p:nvPr/>
+        </p:nvCxnSpPr>
+        <p:spPr>
+          <a:xfrm flipV="1">
+            <a:off x="6745839" y="2484254"/>
+            <a:ext cx="0" cy="614845"/>
+          </a:xfrm>
+          <a:prstGeom prst="line">
+            <a:avLst/>
+          </a:prstGeom>
+          <a:ln w="28575">
+            <a:solidFill>
+              <a:schemeClr val="accent3">
+                <a:lumMod val="50000"/>
+              </a:schemeClr>
+            </a:solidFill>
+          </a:ln>
+        </p:spPr>
+        <p:style>
+          <a:lnRef idx="1">
+            <a:schemeClr val="accent1"/>
+          </a:lnRef>
+          <a:fillRef idx="0">
+            <a:schemeClr val="accent1"/>
+          </a:fillRef>
+          <a:effectRef idx="0">
+            <a:schemeClr val="accent1"/>
+          </a:effectRef>
+          <a:fontRef idx="minor">
+            <a:schemeClr val="tx1"/>
+          </a:fontRef>
+        </p:style>
+      </p:cxnSp>
+      <p:cxnSp>
+        <p:nvCxnSpPr>
+          <p:cNvPr id="121" name="직선 연결선 120">
+            <a:extLst>
+              <a:ext uri="{FF2B5EF4-FFF2-40B4-BE49-F238E27FC236}">
+                <a16:creationId xmlns:a16="http://schemas.microsoft.com/office/drawing/2014/main" id="{E92E2D59-20FE-4C57-B58D-6C3DA33A005C}"/>
+              </a:ext>
+            </a:extLst>
+          </p:cNvPr>
+          <p:cNvCxnSpPr>
+            <a:cxnSpLocks/>
+            <a:endCxn id="150" idx="0"/>
+          </p:cNvCxnSpPr>
+          <p:nvPr/>
+        </p:nvCxnSpPr>
+        <p:spPr>
+          <a:xfrm>
+            <a:off x="4732278" y="1228310"/>
+            <a:ext cx="1" cy="880671"/>
+          </a:xfrm>
+          <a:prstGeom prst="line">
+            <a:avLst/>
+          </a:prstGeom>
+          <a:ln w="28575">
+            <a:solidFill>
+              <a:schemeClr val="accent6">
+                <a:lumMod val="75000"/>
+              </a:schemeClr>
+            </a:solidFill>
+          </a:ln>
+        </p:spPr>
+        <p:style>
+          <a:lnRef idx="1">
+            <a:schemeClr val="accent1"/>
+          </a:lnRef>
+          <a:fillRef idx="0">
+            <a:schemeClr val="accent1"/>
+          </a:fillRef>
+          <a:effectRef idx="0">
+            <a:schemeClr val="accent1"/>
+          </a:effectRef>
+          <a:fontRef idx="minor">
+            <a:schemeClr val="tx1"/>
+          </a:fontRef>
+        </p:style>
+      </p:cxnSp>
+      <p:cxnSp>
+        <p:nvCxnSpPr>
+          <p:cNvPr id="123" name="직선 연결선 122">
+            <a:extLst>
+              <a:ext uri="{FF2B5EF4-FFF2-40B4-BE49-F238E27FC236}">
+                <a16:creationId xmlns:a16="http://schemas.microsoft.com/office/drawing/2014/main" id="{9DDAF73A-E43B-4753-9E37-A307ECAD8EF6}"/>
+              </a:ext>
+            </a:extLst>
+          </p:cNvPr>
+          <p:cNvCxnSpPr>
+            <a:cxnSpLocks/>
+            <a:stCxn id="55" idx="2"/>
+          </p:cNvCxnSpPr>
+          <p:nvPr/>
+        </p:nvCxnSpPr>
+        <p:spPr>
+          <a:xfrm>
+            <a:off x="4732279" y="3465658"/>
+            <a:ext cx="0" cy="863754"/>
+          </a:xfrm>
+          <a:prstGeom prst="line">
+            <a:avLst/>
+          </a:prstGeom>
+          <a:ln w="28575">
+            <a:solidFill>
+              <a:schemeClr val="tx2"/>
+            </a:solidFill>
+          </a:ln>
+        </p:spPr>
+        <p:style>
+          <a:lnRef idx="1">
+            <a:schemeClr val="accent1"/>
+          </a:lnRef>
+          <a:fillRef idx="0">
+            <a:schemeClr val="accent1"/>
+          </a:fillRef>
+          <a:effectRef idx="0">
+            <a:schemeClr val="accent1"/>
+          </a:effectRef>
+          <a:fontRef idx="minor">
+            <a:schemeClr val="tx1"/>
+          </a:fontRef>
+        </p:style>
+      </p:cxnSp>
+      <p:cxnSp>
+        <p:nvCxnSpPr>
+          <p:cNvPr id="124" name="직선 연결선 123">
+            <a:extLst>
+              <a:ext uri="{FF2B5EF4-FFF2-40B4-BE49-F238E27FC236}">
+                <a16:creationId xmlns:a16="http://schemas.microsoft.com/office/drawing/2014/main" id="{797C42F2-DC4A-4C7E-BEAC-C6340F0E0D68}"/>
+              </a:ext>
+            </a:extLst>
+          </p:cNvPr>
+          <p:cNvCxnSpPr>
+            <a:cxnSpLocks/>
+            <a:stCxn id="66" idx="2"/>
+          </p:cNvCxnSpPr>
+          <p:nvPr/>
+        </p:nvCxnSpPr>
+        <p:spPr>
+          <a:xfrm>
+            <a:off x="6745839" y="3470015"/>
+            <a:ext cx="0" cy="859397"/>
+          </a:xfrm>
+          <a:prstGeom prst="line">
+            <a:avLst/>
+          </a:prstGeom>
+          <a:ln w="28575">
+            <a:solidFill>
+              <a:schemeClr val="tx2"/>
+            </a:solidFill>
+          </a:ln>
+        </p:spPr>
+        <p:style>
+          <a:lnRef idx="1">
+            <a:schemeClr val="accent1"/>
+          </a:lnRef>
+          <a:fillRef idx="0">
+            <a:schemeClr val="accent1"/>
+          </a:fillRef>
+          <a:effectRef idx="0">
+            <a:schemeClr val="accent1"/>
+          </a:effectRef>
+          <a:fontRef idx="minor">
+            <a:schemeClr val="tx1"/>
+          </a:fontRef>
+        </p:style>
+      </p:cxnSp>
+      <p:sp>
+        <p:nvSpPr>
+          <p:cNvPr id="150" name="모서리가 둥근 직사각형 47">
+            <a:extLst>
+              <a:ext uri="{FF2B5EF4-FFF2-40B4-BE49-F238E27FC236}">
+                <a16:creationId xmlns:a16="http://schemas.microsoft.com/office/drawing/2014/main" id="{9FEF309C-F9D9-41C2-8F51-96CA118A786E}"/>
+              </a:ext>
+            </a:extLst>
+          </p:cNvPr>
+          <p:cNvSpPr/>
+          <p:nvPr/>
+        </p:nvSpPr>
+        <p:spPr>
+          <a:xfrm>
+            <a:off x="4030675" y="2108981"/>
+            <a:ext cx="1403208" cy="370916"/>
+          </a:xfrm>
+          <a:prstGeom prst="roundRect">
+            <a:avLst>
+              <a:gd name="adj" fmla="val 11578"/>
+            </a:avLst>
+          </a:prstGeom>
+          <a:noFill/>
+        </p:spPr>
+        <p:style>
+          <a:lnRef idx="2">
+            <a:schemeClr val="dk1"/>
+          </a:lnRef>
+          <a:fillRef idx="1">
+            <a:schemeClr val="lt1"/>
+          </a:fillRef>
+          <a:effectRef idx="0">
+            <a:schemeClr val="dk1"/>
+          </a:effectRef>
+          <a:fontRef idx="minor">
+            <a:schemeClr val="dk1"/>
+          </a:fontRef>
+        </p:style>
+        <p:txBody>
+          <a:bodyPr rtlCol="0" anchor="ctr"/>
+          <a:lstStyle/>
+          <a:p>
+            <a:pPr algn="ctr"/>
+            <a:r>
+              <a:rPr lang="en-US" altLang="ko-KR" sz="1200"/>
+              <a:t>Load Balancer 01</a:t>
+            </a:r>
+            <a:endParaRPr lang="en-US" altLang="ko-KR" sz="1200" dirty="0"/>
+          </a:p>
+        </p:txBody>
+      </p:sp>
+      <p:sp>
+        <p:nvSpPr>
+          <p:cNvPr id="152" name="모서리가 둥근 직사각형 47">
+            <a:extLst>
+              <a:ext uri="{FF2B5EF4-FFF2-40B4-BE49-F238E27FC236}">
+                <a16:creationId xmlns:a16="http://schemas.microsoft.com/office/drawing/2014/main" id="{BCDD5AD3-F3D2-4C1E-A6C4-D70FD9B74711}"/>
+              </a:ext>
+            </a:extLst>
+          </p:cNvPr>
+          <p:cNvSpPr/>
+          <p:nvPr/>
+        </p:nvSpPr>
+        <p:spPr>
+          <a:xfrm>
+            <a:off x="6044235" y="2113338"/>
+            <a:ext cx="1403208" cy="370916"/>
+          </a:xfrm>
+          <a:prstGeom prst="roundRect">
+            <a:avLst>
+              <a:gd name="adj" fmla="val 11578"/>
+            </a:avLst>
+          </a:prstGeom>
+          <a:noFill/>
+        </p:spPr>
+        <p:style>
+          <a:lnRef idx="2">
+            <a:schemeClr val="dk1"/>
+          </a:lnRef>
+          <a:fillRef idx="1">
+            <a:schemeClr val="lt1"/>
+          </a:fillRef>
+          <a:effectRef idx="0">
+            <a:schemeClr val="dk1"/>
+          </a:effectRef>
+          <a:fontRef idx="minor">
+            <a:schemeClr val="dk1"/>
+          </a:fontRef>
+        </p:style>
+        <p:txBody>
+          <a:bodyPr rtlCol="0" anchor="ctr"/>
+          <a:lstStyle/>
+          <a:p>
+            <a:pPr algn="ctr"/>
+            <a:r>
+              <a:rPr lang="en-US" altLang="ko-KR" sz="1200"/>
+              <a:t>Load Balancer 02</a:t>
+            </a:r>
+            <a:endParaRPr lang="en-US" altLang="ko-KR" sz="1200" dirty="0"/>
+          </a:p>
+        </p:txBody>
+      </p:sp>
+      <p:cxnSp>
+        <p:nvCxnSpPr>
+          <p:cNvPr id="153" name="직선 연결선 152">
+            <a:extLst>
+              <a:ext uri="{FF2B5EF4-FFF2-40B4-BE49-F238E27FC236}">
+                <a16:creationId xmlns:a16="http://schemas.microsoft.com/office/drawing/2014/main" id="{12FF25A3-DCC4-402B-8565-499C4990EBBB}"/>
+              </a:ext>
+            </a:extLst>
+          </p:cNvPr>
+          <p:cNvCxnSpPr>
+            <a:cxnSpLocks/>
+            <a:stCxn id="55" idx="0"/>
+            <a:endCxn id="150" idx="2"/>
+          </p:cNvCxnSpPr>
+          <p:nvPr/>
+        </p:nvCxnSpPr>
+        <p:spPr>
+          <a:xfrm flipV="1">
+            <a:off x="4732279" y="2479897"/>
+            <a:ext cx="0" cy="614845"/>
+          </a:xfrm>
+          <a:prstGeom prst="line">
+            <a:avLst/>
+          </a:prstGeom>
+          <a:ln w="28575">
+            <a:solidFill>
+              <a:schemeClr val="accent3">
+                <a:lumMod val="50000"/>
+              </a:schemeClr>
+            </a:solidFill>
+          </a:ln>
+        </p:spPr>
+        <p:style>
+          <a:lnRef idx="1">
+            <a:schemeClr val="accent1"/>
+          </a:lnRef>
+          <a:fillRef idx="0">
+            <a:schemeClr val="accent1"/>
+          </a:fillRef>
+          <a:effectRef idx="0">
+            <a:schemeClr val="accent1"/>
+          </a:effectRef>
+          <a:fontRef idx="minor">
+            <a:schemeClr val="tx1"/>
+          </a:fontRef>
+        </p:style>
+      </p:cxnSp>
+      <p:cxnSp>
+        <p:nvCxnSpPr>
+          <p:cNvPr id="156" name="직선 연결선 155">
+            <a:extLst>
+              <a:ext uri="{FF2B5EF4-FFF2-40B4-BE49-F238E27FC236}">
+                <a16:creationId xmlns:a16="http://schemas.microsoft.com/office/drawing/2014/main" id="{CBDF6255-FD6A-4B56-9A49-347347B43579}"/>
+              </a:ext>
+            </a:extLst>
+          </p:cNvPr>
+          <p:cNvCxnSpPr>
+            <a:cxnSpLocks/>
+            <a:stCxn id="173" idx="3"/>
+            <a:endCxn id="118" idx="1"/>
+          </p:cNvCxnSpPr>
+          <p:nvPr/>
+        </p:nvCxnSpPr>
+        <p:spPr>
+          <a:xfrm flipV="1">
+            <a:off x="2661711" y="2782684"/>
+            <a:ext cx="2428762" cy="2318"/>
+          </a:xfrm>
+          <a:prstGeom prst="line">
+            <a:avLst/>
+          </a:prstGeom>
+          <a:ln w="28575">
+            <a:solidFill>
+              <a:schemeClr val="accent3">
+                <a:lumMod val="50000"/>
+              </a:schemeClr>
+            </a:solidFill>
+          </a:ln>
+        </p:spPr>
+        <p:style>
+          <a:lnRef idx="1">
+            <a:schemeClr val="accent1"/>
+          </a:lnRef>
+          <a:fillRef idx="0">
+            <a:schemeClr val="accent1"/>
+          </a:fillRef>
+          <a:effectRef idx="0">
+            <a:schemeClr val="accent1"/>
+          </a:effectRef>
+          <a:fontRef idx="minor">
+            <a:schemeClr val="tx1"/>
+          </a:fontRef>
+        </p:style>
+      </p:cxnSp>
+      <p:cxnSp>
+        <p:nvCxnSpPr>
+          <p:cNvPr id="159" name="직선 연결선 158">
+            <a:extLst>
+              <a:ext uri="{FF2B5EF4-FFF2-40B4-BE49-F238E27FC236}">
+                <a16:creationId xmlns:a16="http://schemas.microsoft.com/office/drawing/2014/main" id="{5F8BF3D6-1F8C-4DB2-8E8A-9225A2BD8870}"/>
+              </a:ext>
+            </a:extLst>
+          </p:cNvPr>
+          <p:cNvCxnSpPr>
+            <a:cxnSpLocks/>
+            <a:stCxn id="118" idx="3"/>
+          </p:cNvCxnSpPr>
+          <p:nvPr/>
+        </p:nvCxnSpPr>
+        <p:spPr>
+          <a:xfrm>
+            <a:off x="6382951" y="2782684"/>
+            <a:ext cx="362888" cy="0"/>
+          </a:xfrm>
+          <a:prstGeom prst="line">
+            <a:avLst/>
+          </a:prstGeom>
+          <a:ln w="28575">
+            <a:solidFill>
+              <a:schemeClr val="accent3">
+                <a:lumMod val="50000"/>
+              </a:schemeClr>
+            </a:solidFill>
+          </a:ln>
+        </p:spPr>
+        <p:style>
+          <a:lnRef idx="1">
+            <a:schemeClr val="accent1"/>
+          </a:lnRef>
+          <a:fillRef idx="0">
+            <a:schemeClr val="accent1"/>
+          </a:fillRef>
+          <a:effectRef idx="0">
+            <a:schemeClr val="accent1"/>
+          </a:effectRef>
+          <a:fontRef idx="minor">
+            <a:schemeClr val="tx1"/>
+          </a:fontRef>
+        </p:style>
+      </p:cxnSp>
+      <p:cxnSp>
+        <p:nvCxnSpPr>
+          <p:cNvPr id="166" name="직선 연결선 165">
+            <a:extLst>
+              <a:ext uri="{FF2B5EF4-FFF2-40B4-BE49-F238E27FC236}">
+                <a16:creationId xmlns:a16="http://schemas.microsoft.com/office/drawing/2014/main" id="{D08ABDE4-EFC8-4833-8240-D9DD34417765}"/>
+              </a:ext>
+            </a:extLst>
+          </p:cNvPr>
+          <p:cNvCxnSpPr>
+            <a:cxnSpLocks/>
+            <a:endCxn id="152" idx="0"/>
+          </p:cNvCxnSpPr>
+          <p:nvPr/>
+        </p:nvCxnSpPr>
+        <p:spPr>
+          <a:xfrm>
+            <a:off x="6745838" y="1228310"/>
+            <a:ext cx="1" cy="885028"/>
+          </a:xfrm>
+          <a:prstGeom prst="line">
+            <a:avLst/>
+          </a:prstGeom>
+          <a:ln w="28575">
+            <a:solidFill>
+              <a:schemeClr val="accent6">
+                <a:lumMod val="75000"/>
+              </a:schemeClr>
+            </a:solidFill>
+          </a:ln>
+        </p:spPr>
+        <p:style>
+          <a:lnRef idx="1">
+            <a:schemeClr val="accent1"/>
+          </a:lnRef>
+          <a:fillRef idx="0">
+            <a:schemeClr val="accent1"/>
+          </a:fillRef>
+          <a:effectRef idx="0">
+            <a:schemeClr val="accent1"/>
+          </a:effectRef>
+          <a:fontRef idx="minor">
+            <a:schemeClr val="tx1"/>
+          </a:fontRef>
+        </p:style>
+      </p:cxnSp>
+      <p:sp>
+        <p:nvSpPr>
+          <p:cNvPr id="169" name="모서리가 둥근 직사각형 46">
+            <a:extLst>
+              <a:ext uri="{FF2B5EF4-FFF2-40B4-BE49-F238E27FC236}">
+                <a16:creationId xmlns:a16="http://schemas.microsoft.com/office/drawing/2014/main" id="{8D669F36-839D-4B29-B5D7-E2F8581B0C58}"/>
+              </a:ext>
+            </a:extLst>
+          </p:cNvPr>
+          <p:cNvSpPr/>
+          <p:nvPr/>
+        </p:nvSpPr>
+        <p:spPr>
+          <a:xfrm>
+            <a:off x="2024773" y="4121920"/>
+            <a:ext cx="636938" cy="414984"/>
+          </a:xfrm>
+          <a:prstGeom prst="roundRect">
+            <a:avLst>
+              <a:gd name="adj" fmla="val 11578"/>
+            </a:avLst>
+          </a:prstGeom>
+          <a:solidFill>
+            <a:schemeClr val="bg1"/>
+          </a:solidFill>
+        </p:spPr>
+        <p:style>
+          <a:lnRef idx="2">
+            <a:schemeClr val="dk1"/>
+          </a:lnRef>
+          <a:fillRef idx="1">
+            <a:schemeClr val="lt1"/>
+          </a:fillRef>
+          <a:effectRef idx="0">
+            <a:schemeClr val="dk1"/>
+          </a:effectRef>
+          <a:fontRef idx="minor">
+            <a:schemeClr val="dk1"/>
+          </a:fontRef>
+        </p:style>
+        <p:txBody>
+          <a:bodyPr rtlCol="0" anchor="ctr"/>
+          <a:lstStyle/>
+          <a:p>
+            <a:pPr algn="ctr"/>
+            <a:r>
+              <a:rPr lang="en-US" altLang="ko-KR" sz="1100"/>
+              <a:t>Router</a:t>
+            </a:r>
+          </a:p>
+        </p:txBody>
+      </p:sp>
+      <p:sp>
+        <p:nvSpPr>
+          <p:cNvPr id="171" name="모서리가 둥근 직사각형 46">
+            <a:extLst>
+              <a:ext uri="{FF2B5EF4-FFF2-40B4-BE49-F238E27FC236}">
+                <a16:creationId xmlns:a16="http://schemas.microsoft.com/office/drawing/2014/main" id="{F5542348-F6F3-4D30-8990-F57A21FA9B39}"/>
+              </a:ext>
+            </a:extLst>
+          </p:cNvPr>
+          <p:cNvSpPr/>
+          <p:nvPr/>
+        </p:nvSpPr>
+        <p:spPr>
+          <a:xfrm>
+            <a:off x="2024773" y="1003300"/>
+            <a:ext cx="636938" cy="414984"/>
+          </a:xfrm>
+          <a:prstGeom prst="roundRect">
+            <a:avLst>
+              <a:gd name="adj" fmla="val 11578"/>
+            </a:avLst>
+          </a:prstGeom>
+          <a:solidFill>
+            <a:schemeClr val="bg1"/>
+          </a:solidFill>
+        </p:spPr>
+        <p:style>
+          <a:lnRef idx="2">
+            <a:schemeClr val="dk1"/>
+          </a:lnRef>
+          <a:fillRef idx="1">
+            <a:schemeClr val="lt1"/>
+          </a:fillRef>
+          <a:effectRef idx="0">
+            <a:schemeClr val="dk1"/>
+          </a:effectRef>
+          <a:fontRef idx="minor">
+            <a:schemeClr val="dk1"/>
+          </a:fontRef>
+        </p:style>
+        <p:txBody>
+          <a:bodyPr rtlCol="0" anchor="ctr"/>
+          <a:lstStyle/>
+          <a:p>
+            <a:pPr algn="ctr"/>
+            <a:r>
+              <a:rPr lang="en-US" altLang="ko-KR" sz="1100"/>
+              <a:t>Router</a:t>
+            </a:r>
+          </a:p>
+        </p:txBody>
+      </p:sp>
+      <p:sp>
+        <p:nvSpPr>
+          <p:cNvPr id="173" name="모서리가 둥근 직사각형 46">
+            <a:extLst>
+              <a:ext uri="{FF2B5EF4-FFF2-40B4-BE49-F238E27FC236}">
+                <a16:creationId xmlns:a16="http://schemas.microsoft.com/office/drawing/2014/main" id="{ED1030B9-034D-49F1-AE46-826831B70DB9}"/>
+              </a:ext>
+            </a:extLst>
+          </p:cNvPr>
+          <p:cNvSpPr/>
+          <p:nvPr/>
+        </p:nvSpPr>
+        <p:spPr>
+          <a:xfrm>
+            <a:off x="2024773" y="2577510"/>
+            <a:ext cx="636938" cy="414984"/>
+          </a:xfrm>
+          <a:prstGeom prst="roundRect">
+            <a:avLst>
+              <a:gd name="adj" fmla="val 11578"/>
+            </a:avLst>
+          </a:prstGeom>
+          <a:solidFill>
+            <a:schemeClr val="bg1"/>
+          </a:solidFill>
+        </p:spPr>
+        <p:style>
+          <a:lnRef idx="2">
+            <a:schemeClr val="dk1"/>
+          </a:lnRef>
+          <a:fillRef idx="1">
+            <a:schemeClr val="lt1"/>
+          </a:fillRef>
+          <a:effectRef idx="0">
+            <a:schemeClr val="dk1"/>
+          </a:effectRef>
+          <a:fontRef idx="minor">
+            <a:schemeClr val="dk1"/>
+          </a:fontRef>
+        </p:style>
+        <p:txBody>
+          <a:bodyPr rtlCol="0" anchor="ctr"/>
+          <a:lstStyle/>
+          <a:p>
+            <a:pPr algn="ctr"/>
+            <a:r>
+              <a:rPr lang="en-US" altLang="ko-KR" sz="1100"/>
+              <a:t>Router</a:t>
+            </a:r>
+          </a:p>
+        </p:txBody>
+      </p:sp>
+      <p:sp>
+        <p:nvSpPr>
+          <p:cNvPr id="178" name="모서리가 둥근 직사각형 46">
+            <a:extLst>
+              <a:ext uri="{FF2B5EF4-FFF2-40B4-BE49-F238E27FC236}">
+                <a16:creationId xmlns:a16="http://schemas.microsoft.com/office/drawing/2014/main" id="{EE063E6C-4387-42AF-8C03-EF37790FAF9A}"/>
+              </a:ext>
+            </a:extLst>
+          </p:cNvPr>
+          <p:cNvSpPr/>
+          <p:nvPr/>
+        </p:nvSpPr>
+        <p:spPr>
+          <a:xfrm>
+            <a:off x="467215" y="2643960"/>
+            <a:ext cx="1301370" cy="282083"/>
+          </a:xfrm>
+          <a:prstGeom prst="roundRect">
+            <a:avLst>
+              <a:gd name="adj" fmla="val 11578"/>
+            </a:avLst>
+          </a:prstGeom>
+          <a:solidFill>
+            <a:schemeClr val="bg1"/>
+          </a:solidFill>
+          <a:ln>
+            <a:solidFill>
+              <a:srgbClr val="C00000"/>
+            </a:solidFill>
+          </a:ln>
+        </p:spPr>
+        <p:style>
+          <a:lnRef idx="2">
+            <a:schemeClr val="dk1"/>
+          </a:lnRef>
+          <a:fillRef idx="1">
+            <a:schemeClr val="lt1"/>
+          </a:fillRef>
+          <a:effectRef idx="0">
+            <a:schemeClr val="dk1"/>
+          </a:effectRef>
+          <a:fontRef idx="minor">
+            <a:schemeClr val="dk1"/>
+          </a:fontRef>
+        </p:style>
+        <p:txBody>
+          <a:bodyPr rtlCol="0" anchor="ctr"/>
+          <a:lstStyle/>
+          <a:p>
+            <a:pPr algn="ctr"/>
+            <a:r>
+              <a:rPr lang="en-US" altLang="ko-KR" sz="1100"/>
+              <a:t>External Network</a:t>
+            </a:r>
+          </a:p>
+        </p:txBody>
+      </p:sp>
+      <p:cxnSp>
+        <p:nvCxnSpPr>
+          <p:cNvPr id="190" name="직선 연결선 189">
+            <a:extLst>
+              <a:ext uri="{FF2B5EF4-FFF2-40B4-BE49-F238E27FC236}">
+                <a16:creationId xmlns:a16="http://schemas.microsoft.com/office/drawing/2014/main" id="{0D1CBC52-2C47-4FE8-8EFA-B6F3C29EF344}"/>
+              </a:ext>
+            </a:extLst>
+          </p:cNvPr>
+          <p:cNvCxnSpPr>
+            <a:cxnSpLocks/>
+            <a:endCxn id="169" idx="1"/>
+          </p:cNvCxnSpPr>
+          <p:nvPr/>
+        </p:nvCxnSpPr>
+        <p:spPr>
+          <a:xfrm>
+            <a:off x="1887106" y="4329412"/>
+            <a:ext cx="137667" cy="0"/>
+          </a:xfrm>
+          <a:prstGeom prst="line">
+            <a:avLst/>
+          </a:prstGeom>
+          <a:ln w="28575">
+            <a:solidFill>
+              <a:srgbClr val="C00000"/>
+            </a:solidFill>
+          </a:ln>
+        </p:spPr>
+        <p:style>
+          <a:lnRef idx="1">
+            <a:schemeClr val="accent1"/>
+          </a:lnRef>
+          <a:fillRef idx="0">
+            <a:schemeClr val="accent1"/>
+          </a:fillRef>
+          <a:effectRef idx="0">
+            <a:schemeClr val="accent1"/>
+          </a:effectRef>
+          <a:fontRef idx="minor">
+            <a:schemeClr val="tx1"/>
+          </a:fontRef>
+        </p:style>
+      </p:cxnSp>
+      <p:cxnSp>
+        <p:nvCxnSpPr>
+          <p:cNvPr id="193" name="직선 연결선 192">
+            <a:extLst>
+              <a:ext uri="{FF2B5EF4-FFF2-40B4-BE49-F238E27FC236}">
+                <a16:creationId xmlns:a16="http://schemas.microsoft.com/office/drawing/2014/main" id="{D34AE9D1-41C3-4D2A-BE55-C6E0BBECABE5}"/>
+              </a:ext>
+            </a:extLst>
+          </p:cNvPr>
+          <p:cNvCxnSpPr>
+            <a:cxnSpLocks/>
+          </p:cNvCxnSpPr>
+          <p:nvPr/>
+        </p:nvCxnSpPr>
+        <p:spPr>
+          <a:xfrm>
+            <a:off x="1887106" y="1210792"/>
+            <a:ext cx="0" cy="3118620"/>
+          </a:xfrm>
+          <a:prstGeom prst="line">
+            <a:avLst/>
+          </a:prstGeom>
+          <a:ln w="28575">
+            <a:solidFill>
+              <a:srgbClr val="C00000"/>
+            </a:solidFill>
+          </a:ln>
+        </p:spPr>
+        <p:style>
+          <a:lnRef idx="1">
+            <a:schemeClr val="accent1"/>
+          </a:lnRef>
+          <a:fillRef idx="0">
+            <a:schemeClr val="accent1"/>
+          </a:fillRef>
+          <a:effectRef idx="0">
+            <a:schemeClr val="accent1"/>
+          </a:effectRef>
+          <a:fontRef idx="minor">
+            <a:schemeClr val="tx1"/>
+          </a:fontRef>
+        </p:style>
+      </p:cxnSp>
+      <p:cxnSp>
+        <p:nvCxnSpPr>
+          <p:cNvPr id="196" name="직선 연결선 195">
+            <a:extLst>
+              <a:ext uri="{FF2B5EF4-FFF2-40B4-BE49-F238E27FC236}">
+                <a16:creationId xmlns:a16="http://schemas.microsoft.com/office/drawing/2014/main" id="{10A455AA-4592-477E-9BD3-BD518FBB252E}"/>
+              </a:ext>
+            </a:extLst>
+          </p:cNvPr>
+          <p:cNvCxnSpPr>
+            <a:cxnSpLocks/>
+            <a:stCxn id="62" idx="3"/>
+            <a:endCxn id="171" idx="1"/>
+          </p:cNvCxnSpPr>
+          <p:nvPr/>
+        </p:nvCxnSpPr>
+        <p:spPr>
+          <a:xfrm>
+            <a:off x="1768586" y="1209415"/>
+            <a:ext cx="256187" cy="1377"/>
+          </a:xfrm>
+          <a:prstGeom prst="line">
+            <a:avLst/>
+          </a:prstGeom>
+          <a:ln w="28575">
+            <a:solidFill>
+              <a:srgbClr val="C00000"/>
+            </a:solidFill>
+          </a:ln>
+        </p:spPr>
+        <p:style>
+          <a:lnRef idx="1">
+            <a:schemeClr val="accent1"/>
+          </a:lnRef>
+          <a:fillRef idx="0">
+            <a:schemeClr val="accent1"/>
+          </a:fillRef>
+          <a:effectRef idx="0">
+            <a:schemeClr val="accent1"/>
+          </a:effectRef>
+          <a:fontRef idx="minor">
+            <a:schemeClr val="tx1"/>
+          </a:fontRef>
+        </p:style>
+      </p:cxnSp>
+      <p:cxnSp>
+        <p:nvCxnSpPr>
+          <p:cNvPr id="207" name="직선 연결선 206">
+            <a:extLst>
+              <a:ext uri="{FF2B5EF4-FFF2-40B4-BE49-F238E27FC236}">
+                <a16:creationId xmlns:a16="http://schemas.microsoft.com/office/drawing/2014/main" id="{5818592E-6EF8-4E8F-95AC-34870941173D}"/>
+              </a:ext>
+            </a:extLst>
+          </p:cNvPr>
+          <p:cNvCxnSpPr>
+            <a:cxnSpLocks/>
+            <a:stCxn id="178" idx="3"/>
+            <a:endCxn id="173" idx="1"/>
+          </p:cNvCxnSpPr>
+          <p:nvPr/>
+        </p:nvCxnSpPr>
+        <p:spPr>
+          <a:xfrm>
+            <a:off x="1768585" y="2785002"/>
+            <a:ext cx="256188" cy="0"/>
+          </a:xfrm>
+          <a:prstGeom prst="line">
+            <a:avLst/>
+          </a:prstGeom>
+          <a:ln w="28575">
+            <a:solidFill>
+              <a:srgbClr val="C00000"/>
+            </a:solidFill>
+          </a:ln>
+        </p:spPr>
+        <p:style>
+          <a:lnRef idx="1">
+            <a:schemeClr val="accent1"/>
+          </a:lnRef>
+          <a:fillRef idx="0">
+            <a:schemeClr val="accent1"/>
+          </a:fillRef>
+          <a:effectRef idx="0">
+            <a:schemeClr val="accent1"/>
+          </a:effectRef>
+          <a:fontRef idx="minor">
+            <a:schemeClr val="tx1"/>
+          </a:fontRef>
+        </p:style>
+      </p:cxnSp>
+      <p:sp>
+        <p:nvSpPr>
+          <p:cNvPr id="239" name="모서리가 둥근 직사각형 13">
+            <a:extLst>
+              <a:ext uri="{FF2B5EF4-FFF2-40B4-BE49-F238E27FC236}">
+                <a16:creationId xmlns:a16="http://schemas.microsoft.com/office/drawing/2014/main" id="{7F2E1122-5350-4947-9EE8-BADDEF44749E}"/>
+              </a:ext>
+            </a:extLst>
+          </p:cNvPr>
+          <p:cNvSpPr/>
+          <p:nvPr/>
+        </p:nvSpPr>
+        <p:spPr>
+          <a:xfrm>
+            <a:off x="467216" y="3144839"/>
+            <a:ext cx="1301370" cy="431215"/>
+          </a:xfrm>
+          <a:prstGeom prst="roundRect">
+            <a:avLst>
+              <a:gd name="adj" fmla="val 17418"/>
+            </a:avLst>
+          </a:prstGeom>
+          <a:noFill/>
+        </p:spPr>
+        <p:style>
+          <a:lnRef idx="2">
+            <a:schemeClr val="dk1"/>
+          </a:lnRef>
+          <a:fillRef idx="1">
+            <a:schemeClr val="lt1"/>
+          </a:fillRef>
+          <a:effectRef idx="0">
+            <a:schemeClr val="dk1"/>
+          </a:effectRef>
+          <a:fontRef idx="minor">
+            <a:schemeClr val="dk1"/>
+          </a:fontRef>
+        </p:style>
+        <p:txBody>
+          <a:bodyPr rtlCol="0" anchor="ctr"/>
+          <a:lstStyle/>
+          <a:p>
+            <a:pPr algn="ctr"/>
+            <a:r>
+              <a:rPr lang="en-US" altLang="ko-KR" sz="1200"/>
+              <a:t>ClusterAPI</a:t>
+            </a:r>
+          </a:p>
+          <a:p>
+            <a:pPr algn="ctr"/>
+            <a:r>
+              <a:rPr lang="en-US" altLang="ko-KR" sz="1200"/>
+              <a:t>User PC</a:t>
+            </a:r>
+          </a:p>
+        </p:txBody>
+      </p:sp>
+      <p:cxnSp>
+        <p:nvCxnSpPr>
+          <p:cNvPr id="241" name="직선 연결선 240">
+            <a:extLst>
+              <a:ext uri="{FF2B5EF4-FFF2-40B4-BE49-F238E27FC236}">
+                <a16:creationId xmlns:a16="http://schemas.microsoft.com/office/drawing/2014/main" id="{1A2C0673-CBE3-4553-AE17-9342CB571FC3}"/>
+              </a:ext>
+            </a:extLst>
+          </p:cNvPr>
+          <p:cNvCxnSpPr>
+            <a:cxnSpLocks/>
+            <a:stCxn id="69" idx="2"/>
+            <a:endCxn id="178" idx="0"/>
+          </p:cNvCxnSpPr>
+          <p:nvPr/>
+        </p:nvCxnSpPr>
+        <p:spPr>
+          <a:xfrm flipH="1">
+            <a:off x="1117900" y="2427734"/>
+            <a:ext cx="1" cy="216226"/>
+          </a:xfrm>
+          <a:prstGeom prst="line">
+            <a:avLst/>
+          </a:prstGeom>
+          <a:ln w="28575">
+            <a:solidFill>
+              <a:srgbClr val="C00000"/>
+            </a:solidFill>
+          </a:ln>
+        </p:spPr>
+        <p:style>
+          <a:lnRef idx="1">
+            <a:schemeClr val="accent1"/>
+          </a:lnRef>
+          <a:fillRef idx="0">
+            <a:schemeClr val="accent1"/>
+          </a:fillRef>
+          <a:effectRef idx="0">
+            <a:schemeClr val="accent1"/>
+          </a:effectRef>
+          <a:fontRef idx="minor">
+            <a:schemeClr val="tx1"/>
+          </a:fontRef>
+        </p:style>
+      </p:cxnSp>
+      <p:cxnSp>
+        <p:nvCxnSpPr>
+          <p:cNvPr id="251" name="직선 연결선 250">
+            <a:extLst>
+              <a:ext uri="{FF2B5EF4-FFF2-40B4-BE49-F238E27FC236}">
+                <a16:creationId xmlns:a16="http://schemas.microsoft.com/office/drawing/2014/main" id="{6BFC97FA-AC67-45D7-BB85-A384002AEA47}"/>
+              </a:ext>
+            </a:extLst>
+          </p:cNvPr>
+          <p:cNvCxnSpPr>
+            <a:cxnSpLocks/>
+            <a:stCxn id="178" idx="2"/>
+            <a:endCxn id="239" idx="0"/>
+          </p:cNvCxnSpPr>
+          <p:nvPr/>
+        </p:nvCxnSpPr>
+        <p:spPr>
+          <a:xfrm>
+            <a:off x="1117900" y="2926043"/>
+            <a:ext cx="1" cy="218796"/>
+          </a:xfrm>
+          <a:prstGeom prst="line">
+            <a:avLst/>
+          </a:prstGeom>
+          <a:ln w="28575">
+            <a:solidFill>
+              <a:srgbClr val="C00000"/>
+            </a:solidFill>
+          </a:ln>
+        </p:spPr>
+        <p:style>
+          <a:lnRef idx="1">
+            <a:schemeClr val="accent1"/>
+          </a:lnRef>
+          <a:fillRef idx="0">
+            <a:schemeClr val="accent1"/>
+          </a:fillRef>
+          <a:effectRef idx="0">
+            <a:schemeClr val="accent1"/>
+          </a:effectRef>
+          <a:fontRef idx="minor">
+            <a:schemeClr val="tx1"/>
+          </a:fontRef>
+        </p:style>
+      </p:cxnSp>
+      <p:sp>
+        <p:nvSpPr>
+          <p:cNvPr id="62" name="모서리가 둥근 직사각형 13">
+            <a:extLst>
+              <a:ext uri="{FF2B5EF4-FFF2-40B4-BE49-F238E27FC236}">
+                <a16:creationId xmlns:a16="http://schemas.microsoft.com/office/drawing/2014/main" id="{DC791BAC-1E93-4200-BB5C-D65863D976D9}"/>
+              </a:ext>
+            </a:extLst>
+          </p:cNvPr>
+          <p:cNvSpPr/>
+          <p:nvPr/>
+        </p:nvSpPr>
+        <p:spPr>
+          <a:xfrm>
+            <a:off x="467216" y="993807"/>
+            <a:ext cx="1301370" cy="431215"/>
+          </a:xfrm>
+          <a:prstGeom prst="roundRect">
+            <a:avLst>
+              <a:gd name="adj" fmla="val 17418"/>
+            </a:avLst>
+          </a:prstGeom>
+          <a:noFill/>
+        </p:spPr>
+        <p:style>
+          <a:lnRef idx="2">
+            <a:schemeClr val="dk1"/>
+          </a:lnRef>
+          <a:fillRef idx="1">
+            <a:schemeClr val="lt1"/>
+          </a:fillRef>
+          <a:effectRef idx="0">
+            <a:schemeClr val="dk1"/>
+          </a:effectRef>
+          <a:fontRef idx="minor">
+            <a:schemeClr val="dk1"/>
+          </a:fontRef>
+        </p:style>
+        <p:txBody>
+          <a:bodyPr rtlCol="0" anchor="ctr"/>
+          <a:lstStyle/>
+          <a:p>
+            <a:pPr algn="ctr"/>
+            <a:r>
+              <a:rPr lang="en-US" altLang="ko-KR" sz="1200" b="1"/>
+              <a:t>OpenStack </a:t>
+            </a:r>
+          </a:p>
+          <a:p>
+            <a:pPr algn="ctr"/>
+            <a:r>
+              <a:rPr lang="en-US" altLang="ko-KR" sz="1200" b="1"/>
+              <a:t>API Server</a:t>
+            </a:r>
+          </a:p>
+        </p:txBody>
+      </p:sp>
+    </p:spTree>
+    <p:extLst>
+      <p:ext uri="{BB962C8B-B14F-4D97-AF65-F5344CB8AC3E}">
+        <p14:creationId xmlns:p14="http://schemas.microsoft.com/office/powerpoint/2010/main" val="952868351"/>
+      </p:ext>
+    </p:extLst>
+  </p:cSld>
+  <p:clrMapOvr>
+    <a:masterClrMapping/>
+  </p:clrMapOvr>
+</p:sld>
+</file>
+
+<file path=ppt/slides/slide4.xml><?xml version="1.0" encoding="utf-8"?>
 <p:sld xmlns:a="http://schemas.openxmlformats.org/drawingml/2006/main" xmlns:r="http://schemas.openxmlformats.org/officeDocument/2006/relationships" xmlns:p="http://schemas.openxmlformats.org/presentationml/2006/main">
   <p:cSld>
     <p:spTree>
